--- a/The Future of Blockchain.pptx
+++ b/The Future of Blockchain.pptx
@@ -141,6 +141,9 @@
         </p14:section>
       </p14:sectionLst>
     </p:ext>
+    <p:ext uri="{EFAFB233-063F-42B5-8137-9DF3F51BA10A}">
+      <p15:sldGuideLst xmlns:p15="http://schemas.microsoft.com/office/powerpoint/2012/main"/>
+    </p:ext>
   </p:extLst>
 </p:presentation>
 </file>
@@ -227,7 +230,7 @@
           <a:p>
             <a:fld id="{F454D6B2-E810-4A64-9BA8-55BC563FD3C6}" type="datetimeFigureOut">
               <a:rPr lang="en-US" smtClean="0"/>
-              <a:t>4/9/2022</a:t>
+              <a:t>4/18/2022</a:t>
             </a:fld>
             <a:endParaRPr lang="en-US"/>
           </a:p>
@@ -641,7 +644,7 @@
           <a:p>
             <a:fld id="{4F8EDF7F-3C73-4429-B464-79D52963A752}" type="datetime1">
               <a:rPr lang="en-US" smtClean="0"/>
-              <a:t>4/9/2022</a:t>
+              <a:t>4/18/2022</a:t>
             </a:fld>
             <a:endParaRPr lang="en-US"/>
           </a:p>
@@ -839,7 +842,7 @@
           <a:p>
             <a:fld id="{EE035E90-96D2-40CA-9D8B-9E9465D75337}" type="datetime1">
               <a:rPr lang="en-US" smtClean="0"/>
-              <a:t>4/9/2022</a:t>
+              <a:t>4/18/2022</a:t>
             </a:fld>
             <a:endParaRPr lang="en-US"/>
           </a:p>
@@ -1047,7 +1050,7 @@
           <a:p>
             <a:fld id="{5C5DB4C3-0EF1-4435-B19E-AA9670EC8C3B}" type="datetime1">
               <a:rPr lang="en-US" smtClean="0"/>
-              <a:t>4/9/2022</a:t>
+              <a:t>4/18/2022</a:t>
             </a:fld>
             <a:endParaRPr lang="en-US"/>
           </a:p>
@@ -1245,7 +1248,7 @@
           <a:p>
             <a:fld id="{1477705E-35F6-417F-8841-D90D9E346D4B}" type="datetime1">
               <a:rPr lang="en-US" smtClean="0"/>
-              <a:t>4/9/2022</a:t>
+              <a:t>4/18/2022</a:t>
             </a:fld>
             <a:endParaRPr lang="en-US"/>
           </a:p>
@@ -1520,7 +1523,7 @@
           <a:p>
             <a:fld id="{66B2BD42-3099-45BB-8076-FE7AF5B78CA6}" type="datetime1">
               <a:rPr lang="en-US" smtClean="0"/>
-              <a:t>4/9/2022</a:t>
+              <a:t>4/18/2022</a:t>
             </a:fld>
             <a:endParaRPr lang="en-US"/>
           </a:p>
@@ -1785,7 +1788,7 @@
           <a:p>
             <a:fld id="{36E2F4DA-F9C8-4357-8FAD-49ADC378FC2A}" type="datetime1">
               <a:rPr lang="en-US" smtClean="0"/>
-              <a:t>4/9/2022</a:t>
+              <a:t>4/18/2022</a:t>
             </a:fld>
             <a:endParaRPr lang="en-US"/>
           </a:p>
@@ -2197,7 +2200,7 @@
           <a:p>
             <a:fld id="{2BE090A4-E75F-43ED-8F86-52E099C428B0}" type="datetime1">
               <a:rPr lang="en-US" smtClean="0"/>
-              <a:t>4/9/2022</a:t>
+              <a:t>4/18/2022</a:t>
             </a:fld>
             <a:endParaRPr lang="en-US"/>
           </a:p>
@@ -2338,7 +2341,7 @@
           <a:p>
             <a:fld id="{1BB3AA94-7768-466F-AFE5-AC0867708B21}" type="datetime1">
               <a:rPr lang="en-US" smtClean="0"/>
-              <a:t>4/9/2022</a:t>
+              <a:t>4/18/2022</a:t>
             </a:fld>
             <a:endParaRPr lang="en-US"/>
           </a:p>
@@ -2451,7 +2454,7 @@
           <a:p>
             <a:fld id="{E75AC77C-7F72-4E0B-A755-36BF25B93E9C}" type="datetime1">
               <a:rPr lang="en-US" smtClean="0"/>
-              <a:t>4/9/2022</a:t>
+              <a:t>4/18/2022</a:t>
             </a:fld>
             <a:endParaRPr lang="en-US"/>
           </a:p>
@@ -2762,7 +2765,7 @@
           <a:p>
             <a:fld id="{A62DE8C4-7B44-4195-A968-F147A766EF9D}" type="datetime1">
               <a:rPr lang="en-US" smtClean="0"/>
-              <a:t>4/9/2022</a:t>
+              <a:t>4/18/2022</a:t>
             </a:fld>
             <a:endParaRPr lang="en-US"/>
           </a:p>
@@ -3050,7 +3053,7 @@
           <a:p>
             <a:fld id="{E93109BB-C69E-4330-A092-CC926DC30BC2}" type="datetime1">
               <a:rPr lang="en-US" smtClean="0"/>
-              <a:t>4/9/2022</a:t>
+              <a:t>4/18/2022</a:t>
             </a:fld>
             <a:endParaRPr lang="en-US"/>
           </a:p>
@@ -3291,7 +3294,7 @@
           <a:p>
             <a:fld id="{3B0DC6D4-4E53-481A-86E5-1D77B4A868E9}" type="datetime1">
               <a:rPr lang="en-US" smtClean="0"/>
-              <a:t>4/9/2022</a:t>
+              <a:t>4/18/2022</a:t>
             </a:fld>
             <a:endParaRPr lang="en-US"/>
           </a:p>
@@ -4443,9 +4446,36 @@
           </a:lstStyle>
           <a:p>
             <a:r>
-              <a:rPr lang="en-US" dirty="0"/>
-              <a:t>Power of decentralized data</a:t>
-            </a:r>
+              <a:rPr lang="en-US" b="0" i="0" dirty="0">
+                <a:solidFill>
+                  <a:srgbClr val="4D5156"/>
+                </a:solidFill>
+                <a:effectLst/>
+                <a:latin typeface="Roboto" panose="020B0604020202020204" pitchFamily="2" charset="0"/>
+              </a:rPr>
+              <a:t>1,000,000,000,000,000,000,000  (10</a:t>
+            </a:r>
+            <a:r>
+              <a:rPr lang="en-US" b="0" i="0" baseline="30000" dirty="0">
+                <a:solidFill>
+                  <a:srgbClr val="4D5156"/>
+                </a:solidFill>
+                <a:effectLst/>
+                <a:latin typeface="Roboto" panose="020B0604020202020204" pitchFamily="2" charset="0"/>
+              </a:rPr>
+              <a:t>21 </a:t>
+            </a:r>
+            <a:r>
+              <a:rPr lang="en-US" b="0" i="0" dirty="0">
+                <a:solidFill>
+                  <a:srgbClr val="4D5156"/>
+                </a:solidFill>
+                <a:effectLst/>
+                <a:latin typeface="Roboto" panose="020B0604020202020204" pitchFamily="2" charset="0"/>
+              </a:rPr>
+              <a:t>= 1 Billion Terabytes)</a:t>
+            </a:r>
+            <a:endParaRPr lang="en-US" dirty="0"/>
           </a:p>
         </p:txBody>
       </p:sp>
@@ -4865,7 +4895,7 @@
         <p:spPr>
           <a:xfrm>
             <a:off x="4425950" y="2614206"/>
-            <a:ext cx="3130550" cy="2764641"/>
+            <a:ext cx="3727450" cy="3291773"/>
           </a:xfrm>
           <a:prstGeom prst="rect">
             <a:avLst/>
@@ -5412,6 +5442,12 @@
         <p:txBody>
           <a:bodyPr/>
           <a:lstStyle/>
+          <a:p>
+            <a:r>
+              <a:rPr lang="en-US"/>
+              <a:t>Decentralized environment </a:t>
+            </a:r>
+          </a:p>
           <a:p>
             <a:endParaRPr lang="en-US"/>
           </a:p>

--- a/The Future of Blockchain.pptx
+++ b/The Future of Blockchain.pptx
@@ -5,7 +5,7 @@
     <p:sldMasterId id="2147483648" r:id="rId1"/>
   </p:sldMasterIdLst>
   <p:notesMasterIdLst>
-    <p:notesMasterId r:id="rId13"/>
+    <p:notesMasterId r:id="rId15"/>
   </p:notesMasterIdLst>
   <p:sldIdLst>
     <p:sldId id="256" r:id="rId2"/>
@@ -13,12 +13,14 @@
     <p:sldId id="258" r:id="rId4"/>
     <p:sldId id="265" r:id="rId5"/>
     <p:sldId id="266" r:id="rId6"/>
-    <p:sldId id="259" r:id="rId7"/>
-    <p:sldId id="260" r:id="rId8"/>
-    <p:sldId id="261" r:id="rId9"/>
-    <p:sldId id="262" r:id="rId10"/>
-    <p:sldId id="263" r:id="rId11"/>
-    <p:sldId id="264" r:id="rId12"/>
+    <p:sldId id="267" r:id="rId7"/>
+    <p:sldId id="268" r:id="rId8"/>
+    <p:sldId id="259" r:id="rId9"/>
+    <p:sldId id="260" r:id="rId10"/>
+    <p:sldId id="261" r:id="rId11"/>
+    <p:sldId id="262" r:id="rId12"/>
+    <p:sldId id="263" r:id="rId13"/>
+    <p:sldId id="264" r:id="rId14"/>
   </p:sldIdLst>
   <p:sldSz cx="12192000" cy="6858000"/>
   <p:notesSz cx="6858000" cy="9144000"/>
@@ -131,6 +133,8 @@
             <p14:sldId id="258"/>
             <p14:sldId id="265"/>
             <p14:sldId id="266"/>
+            <p14:sldId id="267"/>
+            <p14:sldId id="268"/>
             <p14:sldId id="259"/>
             <p14:sldId id="260"/>
             <p14:sldId id="261"/>
@@ -230,7 +234,7 @@
           <a:p>
             <a:fld id="{F454D6B2-E810-4A64-9BA8-55BC563FD3C6}" type="datetimeFigureOut">
               <a:rPr lang="en-US" smtClean="0"/>
-              <a:t>4/18/2022</a:t>
+              <a:t>4/19/2022</a:t>
             </a:fld>
             <a:endParaRPr lang="en-US"/>
           </a:p>
@@ -644,7 +648,7 @@
           <a:p>
             <a:fld id="{4F8EDF7F-3C73-4429-B464-79D52963A752}" type="datetime1">
               <a:rPr lang="en-US" smtClean="0"/>
-              <a:t>4/18/2022</a:t>
+              <a:t>4/19/2022</a:t>
             </a:fld>
             <a:endParaRPr lang="en-US"/>
           </a:p>
@@ -842,7 +846,7 @@
           <a:p>
             <a:fld id="{EE035E90-96D2-40CA-9D8B-9E9465D75337}" type="datetime1">
               <a:rPr lang="en-US" smtClean="0"/>
-              <a:t>4/18/2022</a:t>
+              <a:t>4/19/2022</a:t>
             </a:fld>
             <a:endParaRPr lang="en-US"/>
           </a:p>
@@ -1050,7 +1054,7 @@
           <a:p>
             <a:fld id="{5C5DB4C3-0EF1-4435-B19E-AA9670EC8C3B}" type="datetime1">
               <a:rPr lang="en-US" smtClean="0"/>
-              <a:t>4/18/2022</a:t>
+              <a:t>4/19/2022</a:t>
             </a:fld>
             <a:endParaRPr lang="en-US"/>
           </a:p>
@@ -1248,7 +1252,7 @@
           <a:p>
             <a:fld id="{1477705E-35F6-417F-8841-D90D9E346D4B}" type="datetime1">
               <a:rPr lang="en-US" smtClean="0"/>
-              <a:t>4/18/2022</a:t>
+              <a:t>4/19/2022</a:t>
             </a:fld>
             <a:endParaRPr lang="en-US"/>
           </a:p>
@@ -1523,7 +1527,7 @@
           <a:p>
             <a:fld id="{66B2BD42-3099-45BB-8076-FE7AF5B78CA6}" type="datetime1">
               <a:rPr lang="en-US" smtClean="0"/>
-              <a:t>4/18/2022</a:t>
+              <a:t>4/19/2022</a:t>
             </a:fld>
             <a:endParaRPr lang="en-US"/>
           </a:p>
@@ -1788,7 +1792,7 @@
           <a:p>
             <a:fld id="{36E2F4DA-F9C8-4357-8FAD-49ADC378FC2A}" type="datetime1">
               <a:rPr lang="en-US" smtClean="0"/>
-              <a:t>4/18/2022</a:t>
+              <a:t>4/19/2022</a:t>
             </a:fld>
             <a:endParaRPr lang="en-US"/>
           </a:p>
@@ -2200,7 +2204,7 @@
           <a:p>
             <a:fld id="{2BE090A4-E75F-43ED-8F86-52E099C428B0}" type="datetime1">
               <a:rPr lang="en-US" smtClean="0"/>
-              <a:t>4/18/2022</a:t>
+              <a:t>4/19/2022</a:t>
             </a:fld>
             <a:endParaRPr lang="en-US"/>
           </a:p>
@@ -2341,7 +2345,7 @@
           <a:p>
             <a:fld id="{1BB3AA94-7768-466F-AFE5-AC0867708B21}" type="datetime1">
               <a:rPr lang="en-US" smtClean="0"/>
-              <a:t>4/18/2022</a:t>
+              <a:t>4/19/2022</a:t>
             </a:fld>
             <a:endParaRPr lang="en-US"/>
           </a:p>
@@ -2454,7 +2458,7 @@
           <a:p>
             <a:fld id="{E75AC77C-7F72-4E0B-A755-36BF25B93E9C}" type="datetime1">
               <a:rPr lang="en-US" smtClean="0"/>
-              <a:t>4/18/2022</a:t>
+              <a:t>4/19/2022</a:t>
             </a:fld>
             <a:endParaRPr lang="en-US"/>
           </a:p>
@@ -2765,7 +2769,7 @@
           <a:p>
             <a:fld id="{A62DE8C4-7B44-4195-A968-F147A766EF9D}" type="datetime1">
               <a:rPr lang="en-US" smtClean="0"/>
-              <a:t>4/18/2022</a:t>
+              <a:t>4/19/2022</a:t>
             </a:fld>
             <a:endParaRPr lang="en-US"/>
           </a:p>
@@ -3053,7 +3057,7 @@
           <a:p>
             <a:fld id="{E93109BB-C69E-4330-A092-CC926DC30BC2}" type="datetime1">
               <a:rPr lang="en-US" smtClean="0"/>
-              <a:t>4/18/2022</a:t>
+              <a:t>4/19/2022</a:t>
             </a:fld>
             <a:endParaRPr lang="en-US"/>
           </a:p>
@@ -3294,7 +3298,7 @@
           <a:p>
             <a:fld id="{3B0DC6D4-4E53-481A-86E5-1D77B4A868E9}" type="datetime1">
               <a:rPr lang="en-US" smtClean="0"/>
-              <a:t>4/18/2022</a:t>
+              <a:t>4/19/2022</a:t>
             </a:fld>
             <a:endParaRPr lang="en-US"/>
           </a:p>
@@ -3828,6 +3832,222 @@
           <p:cNvPr id="2" name="Title 1">
             <a:extLst>
               <a:ext uri="{FF2B5EF4-FFF2-40B4-BE49-F238E27FC236}">
+                <a16:creationId xmlns:a16="http://schemas.microsoft.com/office/drawing/2014/main" id="{22BB3B10-4BAF-46CC-9BB9-A2E8E40015E1}"/>
+              </a:ext>
+            </a:extLst>
+          </p:cNvPr>
+          <p:cNvSpPr>
+            <a:spLocks noGrp="1"/>
+          </p:cNvSpPr>
+          <p:nvPr>
+            <p:ph type="title"/>
+          </p:nvPr>
+        </p:nvSpPr>
+        <p:spPr/>
+        <p:txBody>
+          <a:bodyPr/>
+          <a:lstStyle/>
+          <a:p>
+            <a:r>
+              <a:rPr lang="en-US" dirty="0"/>
+              <a:t>Common uses of Blockchain</a:t>
+            </a:r>
+          </a:p>
+        </p:txBody>
+      </p:sp>
+      <p:sp>
+        <p:nvSpPr>
+          <p:cNvPr id="3" name="Content Placeholder 2">
+            <a:extLst>
+              <a:ext uri="{FF2B5EF4-FFF2-40B4-BE49-F238E27FC236}">
+                <a16:creationId xmlns:a16="http://schemas.microsoft.com/office/drawing/2014/main" id="{9CFF640B-BA57-4542-B360-E922304EFE8D}"/>
+              </a:ext>
+            </a:extLst>
+          </p:cNvPr>
+          <p:cNvSpPr>
+            <a:spLocks noGrp="1"/>
+          </p:cNvSpPr>
+          <p:nvPr>
+            <p:ph idx="1"/>
+          </p:nvPr>
+        </p:nvSpPr>
+        <p:spPr/>
+        <p:txBody>
+          <a:bodyPr/>
+          <a:lstStyle/>
+          <a:p>
+            <a:endParaRPr lang="en-US"/>
+          </a:p>
+        </p:txBody>
+      </p:sp>
+      <p:sp>
+        <p:nvSpPr>
+          <p:cNvPr id="4" name="Footer Placeholder 3">
+            <a:extLst>
+              <a:ext uri="{FF2B5EF4-FFF2-40B4-BE49-F238E27FC236}">
+                <a16:creationId xmlns:a16="http://schemas.microsoft.com/office/drawing/2014/main" id="{DA16B56A-B112-4B21-9AB3-AB001ED2DACE}"/>
+              </a:ext>
+            </a:extLst>
+          </p:cNvPr>
+          <p:cNvSpPr>
+            <a:spLocks noGrp="1"/>
+          </p:cNvSpPr>
+          <p:nvPr>
+            <p:ph type="ftr" sz="quarter" idx="11"/>
+          </p:nvPr>
+        </p:nvSpPr>
+        <p:spPr/>
+        <p:txBody>
+          <a:bodyPr/>
+          <a:lstStyle/>
+          <a:p>
+            <a:endParaRPr lang="en-US"/>
+          </a:p>
+        </p:txBody>
+      </p:sp>
+    </p:spTree>
+    <p:extLst>
+      <p:ext uri="{BB962C8B-B14F-4D97-AF65-F5344CB8AC3E}">
+        <p14:creationId xmlns:p14="http://schemas.microsoft.com/office/powerpoint/2010/main" val="3012064447"/>
+      </p:ext>
+    </p:extLst>
+  </p:cSld>
+  <p:clrMapOvr>
+    <a:masterClrMapping/>
+  </p:clrMapOvr>
+</p:sld>
+</file>
+
+<file path=ppt/slides/slide11.xml><?xml version="1.0" encoding="utf-8"?>
+<p:sld xmlns:a="http://schemas.openxmlformats.org/drawingml/2006/main" xmlns:r="http://schemas.openxmlformats.org/officeDocument/2006/relationships" xmlns:p="http://schemas.openxmlformats.org/presentationml/2006/main">
+  <p:cSld>
+    <p:spTree>
+      <p:nvGrpSpPr>
+        <p:cNvPr id="1" name=""/>
+        <p:cNvGrpSpPr/>
+        <p:nvPr/>
+      </p:nvGrpSpPr>
+      <p:grpSpPr>
+        <a:xfrm>
+          <a:off x="0" y="0"/>
+          <a:ext cx="0" cy="0"/>
+          <a:chOff x="0" y="0"/>
+          <a:chExt cx="0" cy="0"/>
+        </a:xfrm>
+      </p:grpSpPr>
+      <p:sp>
+        <p:nvSpPr>
+          <p:cNvPr id="2" name="Title 1">
+            <a:extLst>
+              <a:ext uri="{FF2B5EF4-FFF2-40B4-BE49-F238E27FC236}">
+                <a16:creationId xmlns:a16="http://schemas.microsoft.com/office/drawing/2014/main" id="{AAFBE371-A305-4703-8131-7CC4DC932CD9}"/>
+              </a:ext>
+            </a:extLst>
+          </p:cNvPr>
+          <p:cNvSpPr>
+            <a:spLocks noGrp="1"/>
+          </p:cNvSpPr>
+          <p:nvPr>
+            <p:ph type="title"/>
+          </p:nvPr>
+        </p:nvSpPr>
+        <p:spPr/>
+        <p:txBody>
+          <a:bodyPr/>
+          <a:lstStyle/>
+          <a:p>
+            <a:r>
+              <a:rPr lang="en-US" dirty="0"/>
+              <a:t>Problems of Blockchain</a:t>
+            </a:r>
+          </a:p>
+        </p:txBody>
+      </p:sp>
+      <p:sp>
+        <p:nvSpPr>
+          <p:cNvPr id="3" name="Content Placeholder 2">
+            <a:extLst>
+              <a:ext uri="{FF2B5EF4-FFF2-40B4-BE49-F238E27FC236}">
+                <a16:creationId xmlns:a16="http://schemas.microsoft.com/office/drawing/2014/main" id="{FF94A939-87BA-4C9C-9606-B4F4A1FA1C89}"/>
+              </a:ext>
+            </a:extLst>
+          </p:cNvPr>
+          <p:cNvSpPr>
+            <a:spLocks noGrp="1"/>
+          </p:cNvSpPr>
+          <p:nvPr>
+            <p:ph idx="1"/>
+          </p:nvPr>
+        </p:nvSpPr>
+        <p:spPr/>
+        <p:txBody>
+          <a:bodyPr/>
+          <a:lstStyle/>
+          <a:p>
+            <a:endParaRPr lang="en-US"/>
+          </a:p>
+        </p:txBody>
+      </p:sp>
+      <p:sp>
+        <p:nvSpPr>
+          <p:cNvPr id="4" name="Footer Placeholder 3">
+            <a:extLst>
+              <a:ext uri="{FF2B5EF4-FFF2-40B4-BE49-F238E27FC236}">
+                <a16:creationId xmlns:a16="http://schemas.microsoft.com/office/drawing/2014/main" id="{116DA02E-1505-4585-B4BF-C8A6E1153A5C}"/>
+              </a:ext>
+            </a:extLst>
+          </p:cNvPr>
+          <p:cNvSpPr>
+            <a:spLocks noGrp="1"/>
+          </p:cNvSpPr>
+          <p:nvPr>
+            <p:ph type="ftr" sz="quarter" idx="11"/>
+          </p:nvPr>
+        </p:nvSpPr>
+        <p:spPr/>
+        <p:txBody>
+          <a:bodyPr/>
+          <a:lstStyle/>
+          <a:p>
+            <a:endParaRPr lang="en-US"/>
+          </a:p>
+        </p:txBody>
+      </p:sp>
+    </p:spTree>
+    <p:extLst>
+      <p:ext uri="{BB962C8B-B14F-4D97-AF65-F5344CB8AC3E}">
+        <p14:creationId xmlns:p14="http://schemas.microsoft.com/office/powerpoint/2010/main" val="424847333"/>
+      </p:ext>
+    </p:extLst>
+  </p:cSld>
+  <p:clrMapOvr>
+    <a:masterClrMapping/>
+  </p:clrMapOvr>
+</p:sld>
+</file>
+
+<file path=ppt/slides/slide12.xml><?xml version="1.0" encoding="utf-8"?>
+<p:sld xmlns:a="http://schemas.openxmlformats.org/drawingml/2006/main" xmlns:r="http://schemas.openxmlformats.org/officeDocument/2006/relationships" xmlns:p="http://schemas.openxmlformats.org/presentationml/2006/main">
+  <p:cSld>
+    <p:spTree>
+      <p:nvGrpSpPr>
+        <p:cNvPr id="1" name=""/>
+        <p:cNvGrpSpPr/>
+        <p:nvPr/>
+      </p:nvGrpSpPr>
+      <p:grpSpPr>
+        <a:xfrm>
+          <a:off x="0" y="0"/>
+          <a:ext cx="0" cy="0"/>
+          <a:chOff x="0" y="0"/>
+          <a:chExt cx="0" cy="0"/>
+        </a:xfrm>
+      </p:grpSpPr>
+      <p:sp>
+        <p:nvSpPr>
+          <p:cNvPr id="2" name="Title 1">
+            <a:extLst>
+              <a:ext uri="{FF2B5EF4-FFF2-40B4-BE49-F238E27FC236}">
                 <a16:creationId xmlns:a16="http://schemas.microsoft.com/office/drawing/2014/main" id="{665A1B7B-394C-493F-A659-834AFA97FC4E}"/>
               </a:ext>
             </a:extLst>
@@ -3914,7 +4134,7 @@
 </p:sld>
 </file>
 
-<file path=ppt/slides/slide11.xml><?xml version="1.0" encoding="utf-8"?>
+<file path=ppt/slides/slide13.xml><?xml version="1.0" encoding="utf-8"?>
 <p:sld xmlns:a="http://schemas.openxmlformats.org/drawingml/2006/main" xmlns:r="http://schemas.openxmlformats.org/officeDocument/2006/relationships" xmlns:p="http://schemas.openxmlformats.org/presentationml/2006/main">
   <p:cSld>
     <p:spTree>
@@ -4978,8 +5198,8 @@
         </p:nvSpPr>
         <p:spPr>
           <a:xfrm>
-            <a:off x="838200" y="1825625"/>
-            <a:ext cx="10515600" cy="3546475"/>
+            <a:off x="838200" y="1444487"/>
+            <a:ext cx="10515600" cy="3927613"/>
           </a:xfrm>
         </p:spPr>
         <p:txBody>
@@ -5222,10 +5442,10 @@
       </p:sp>
       <p:pic>
         <p:nvPicPr>
-          <p:cNvPr id="7" name="Picture 6">
-            <a:extLst>
-              <a:ext uri="{FF2B5EF4-FFF2-40B4-BE49-F238E27FC236}">
-                <a16:creationId xmlns:a16="http://schemas.microsoft.com/office/drawing/2014/main" id="{C15BF181-2B21-453C-973C-A8196582F09E}"/>
+          <p:cNvPr id="8" name="Picture 7">
+            <a:extLst>
+              <a:ext uri="{FF2B5EF4-FFF2-40B4-BE49-F238E27FC236}">
+                <a16:creationId xmlns:a16="http://schemas.microsoft.com/office/drawing/2014/main" id="{96AF5940-95EF-4D0F-BF93-43DDF8E700D4}"/>
               </a:ext>
             </a:extLst>
           </p:cNvPr>
@@ -5248,8 +5468,8 @@
         </p:blipFill>
         <p:spPr>
           <a:xfrm>
-            <a:off x="4425950" y="2614206"/>
-            <a:ext cx="3130550" cy="2764641"/>
+            <a:off x="3489049" y="1968774"/>
+            <a:ext cx="5213902" cy="3777182"/>
           </a:xfrm>
           <a:prstGeom prst="rect">
             <a:avLst/>
@@ -5291,7 +5511,7 @@
           <p:cNvPr id="2" name="Title 1">
             <a:extLst>
               <a:ext uri="{FF2B5EF4-FFF2-40B4-BE49-F238E27FC236}">
-                <a16:creationId xmlns:a16="http://schemas.microsoft.com/office/drawing/2014/main" id="{2F8CA95A-2352-4C3C-BB2F-0AF30A641769}"/>
+                <a16:creationId xmlns:a16="http://schemas.microsoft.com/office/drawing/2014/main" id="{5C64B2C0-9825-48CA-B0E3-8BAB8377E75B}"/>
               </a:ext>
             </a:extLst>
           </p:cNvPr>
@@ -5309,7 +5529,7 @@
           <a:p>
             <a:r>
               <a:rPr lang="en-US" dirty="0"/>
-              <a:t>General concept of Blockchain</a:t>
+              <a:t>Problems that we want to solve</a:t>
             </a:r>
           </a:p>
         </p:txBody>
@@ -5319,7 +5539,7 @@
           <p:cNvPr id="3" name="Content Placeholder 2">
             <a:extLst>
               <a:ext uri="{FF2B5EF4-FFF2-40B4-BE49-F238E27FC236}">
-                <a16:creationId xmlns:a16="http://schemas.microsoft.com/office/drawing/2014/main" id="{86A14F35-5599-4413-9392-55743DACF57D}"/>
+                <a16:creationId xmlns:a16="http://schemas.microsoft.com/office/drawing/2014/main" id="{E8EACC5E-F238-4A48-AFA2-1211B4267669}"/>
               </a:ext>
             </a:extLst>
           </p:cNvPr>
@@ -5330,10 +5550,24 @@
             <p:ph idx="1"/>
           </p:nvPr>
         </p:nvSpPr>
-        <p:spPr/>
-        <p:txBody>
-          <a:bodyPr/>
-          <a:lstStyle/>
+        <p:spPr>
+          <a:xfrm>
+            <a:off x="838200" y="1444487"/>
+            <a:ext cx="10769600" cy="4731026"/>
+          </a:xfrm>
+        </p:spPr>
+        <p:txBody>
+          <a:bodyPr/>
+          <a:lstStyle/>
+          <a:p>
+            <a:pPr marL="0" indent="0" algn="ctr">
+              <a:buNone/>
+            </a:pPr>
+            <a:r>
+              <a:rPr lang="en-US" dirty="0"/>
+              <a:t>Intermediaries</a:t>
+            </a:r>
+          </a:p>
           <a:p>
             <a:endParaRPr lang="en-US" dirty="0"/>
           </a:p>
@@ -5341,10 +5575,206 @@
       </p:sp>
       <p:sp>
         <p:nvSpPr>
+          <p:cNvPr id="6" name="Content Placeholder 2">
+            <a:extLst>
+              <a:ext uri="{FF2B5EF4-FFF2-40B4-BE49-F238E27FC236}">
+                <a16:creationId xmlns:a16="http://schemas.microsoft.com/office/drawing/2014/main" id="{BAC6A42E-3B31-4214-900B-2DA73544B4E3}"/>
+              </a:ext>
+            </a:extLst>
+          </p:cNvPr>
+          <p:cNvSpPr txBox="1">
+            <a:spLocks/>
+          </p:cNvSpPr>
+          <p:nvPr/>
+        </p:nvSpPr>
+        <p:spPr>
+          <a:xfrm>
+            <a:off x="1092200" y="5385594"/>
+            <a:ext cx="10515600" cy="596900"/>
+          </a:xfrm>
+          <a:prstGeom prst="rect">
+            <a:avLst/>
+          </a:prstGeom>
+        </p:spPr>
+        <p:txBody>
+          <a:bodyPr vert="horz" lIns="91440" tIns="45720" rIns="91440" bIns="45720" rtlCol="0">
+            <a:normAutofit/>
+          </a:bodyPr>
+          <a:lstStyle>
+            <a:lvl1pPr marL="228600" indent="-228600" algn="l" defTabSz="914400" rtl="0" eaLnBrk="1" latinLnBrk="0" hangingPunct="1">
+              <a:lnSpc>
+                <a:spcPct val="90000"/>
+              </a:lnSpc>
+              <a:spcBef>
+                <a:spcPts val="1000"/>
+              </a:spcBef>
+              <a:buFont typeface="Arial" panose="020B0604020202020204" pitchFamily="34" charset="0"/>
+              <a:buChar char="•"/>
+              <a:defRPr sz="2800" kern="1200">
+                <a:solidFill>
+                  <a:schemeClr val="tx1"/>
+                </a:solidFill>
+                <a:latin typeface="+mn-lt"/>
+                <a:ea typeface="+mn-ea"/>
+                <a:cs typeface="+mn-cs"/>
+              </a:defRPr>
+            </a:lvl1pPr>
+            <a:lvl2pPr marL="685800" indent="-228600" algn="l" defTabSz="914400" rtl="0" eaLnBrk="1" latinLnBrk="0" hangingPunct="1">
+              <a:lnSpc>
+                <a:spcPct val="90000"/>
+              </a:lnSpc>
+              <a:spcBef>
+                <a:spcPts val="500"/>
+              </a:spcBef>
+              <a:buFont typeface="Arial" panose="020B0604020202020204" pitchFamily="34" charset="0"/>
+              <a:buChar char="•"/>
+              <a:defRPr sz="2400" kern="1200">
+                <a:solidFill>
+                  <a:schemeClr val="tx1"/>
+                </a:solidFill>
+                <a:latin typeface="+mn-lt"/>
+                <a:ea typeface="+mn-ea"/>
+                <a:cs typeface="+mn-cs"/>
+              </a:defRPr>
+            </a:lvl2pPr>
+            <a:lvl3pPr marL="1143000" indent="-228600" algn="l" defTabSz="914400" rtl="0" eaLnBrk="1" latinLnBrk="0" hangingPunct="1">
+              <a:lnSpc>
+                <a:spcPct val="90000"/>
+              </a:lnSpc>
+              <a:spcBef>
+                <a:spcPts val="500"/>
+              </a:spcBef>
+              <a:buFont typeface="Arial" panose="020B0604020202020204" pitchFamily="34" charset="0"/>
+              <a:buChar char="•"/>
+              <a:defRPr sz="2000" kern="1200">
+                <a:solidFill>
+                  <a:schemeClr val="tx1"/>
+                </a:solidFill>
+                <a:latin typeface="+mn-lt"/>
+                <a:ea typeface="+mn-ea"/>
+                <a:cs typeface="+mn-cs"/>
+              </a:defRPr>
+            </a:lvl3pPr>
+            <a:lvl4pPr marL="1600200" indent="-228600" algn="l" defTabSz="914400" rtl="0" eaLnBrk="1" latinLnBrk="0" hangingPunct="1">
+              <a:lnSpc>
+                <a:spcPct val="90000"/>
+              </a:lnSpc>
+              <a:spcBef>
+                <a:spcPts val="500"/>
+              </a:spcBef>
+              <a:buFont typeface="Arial" panose="020B0604020202020204" pitchFamily="34" charset="0"/>
+              <a:buChar char="•"/>
+              <a:defRPr sz="1800" kern="1200">
+                <a:solidFill>
+                  <a:schemeClr val="tx1"/>
+                </a:solidFill>
+                <a:latin typeface="+mn-lt"/>
+                <a:ea typeface="+mn-ea"/>
+                <a:cs typeface="+mn-cs"/>
+              </a:defRPr>
+            </a:lvl4pPr>
+            <a:lvl5pPr marL="2057400" indent="-228600" algn="l" defTabSz="914400" rtl="0" eaLnBrk="1" latinLnBrk="0" hangingPunct="1">
+              <a:lnSpc>
+                <a:spcPct val="90000"/>
+              </a:lnSpc>
+              <a:spcBef>
+                <a:spcPts val="500"/>
+              </a:spcBef>
+              <a:buFont typeface="Arial" panose="020B0604020202020204" pitchFamily="34" charset="0"/>
+              <a:buChar char="•"/>
+              <a:defRPr sz="1800" kern="1200">
+                <a:solidFill>
+                  <a:schemeClr val="tx1"/>
+                </a:solidFill>
+                <a:latin typeface="+mn-lt"/>
+                <a:ea typeface="+mn-ea"/>
+                <a:cs typeface="+mn-cs"/>
+              </a:defRPr>
+            </a:lvl5pPr>
+            <a:lvl6pPr marL="2514600" indent="-228600" algn="l" defTabSz="914400" rtl="0" eaLnBrk="1" latinLnBrk="0" hangingPunct="1">
+              <a:lnSpc>
+                <a:spcPct val="90000"/>
+              </a:lnSpc>
+              <a:spcBef>
+                <a:spcPts val="500"/>
+              </a:spcBef>
+              <a:buFont typeface="Arial" panose="020B0604020202020204" pitchFamily="34" charset="0"/>
+              <a:buChar char="•"/>
+              <a:defRPr sz="1800" kern="1200">
+                <a:solidFill>
+                  <a:schemeClr val="tx1"/>
+                </a:solidFill>
+                <a:latin typeface="+mn-lt"/>
+                <a:ea typeface="+mn-ea"/>
+                <a:cs typeface="+mn-cs"/>
+              </a:defRPr>
+            </a:lvl6pPr>
+            <a:lvl7pPr marL="2971800" indent="-228600" algn="l" defTabSz="914400" rtl="0" eaLnBrk="1" latinLnBrk="0" hangingPunct="1">
+              <a:lnSpc>
+                <a:spcPct val="90000"/>
+              </a:lnSpc>
+              <a:spcBef>
+                <a:spcPts val="500"/>
+              </a:spcBef>
+              <a:buFont typeface="Arial" panose="020B0604020202020204" pitchFamily="34" charset="0"/>
+              <a:buChar char="•"/>
+              <a:defRPr sz="1800" kern="1200">
+                <a:solidFill>
+                  <a:schemeClr val="tx1"/>
+                </a:solidFill>
+                <a:latin typeface="+mn-lt"/>
+                <a:ea typeface="+mn-ea"/>
+                <a:cs typeface="+mn-cs"/>
+              </a:defRPr>
+            </a:lvl7pPr>
+            <a:lvl8pPr marL="3429000" indent="-228600" algn="l" defTabSz="914400" rtl="0" eaLnBrk="1" latinLnBrk="0" hangingPunct="1">
+              <a:lnSpc>
+                <a:spcPct val="90000"/>
+              </a:lnSpc>
+              <a:spcBef>
+                <a:spcPts val="500"/>
+              </a:spcBef>
+              <a:buFont typeface="Arial" panose="020B0604020202020204" pitchFamily="34" charset="0"/>
+              <a:buChar char="•"/>
+              <a:defRPr sz="1800" kern="1200">
+                <a:solidFill>
+                  <a:schemeClr val="tx1"/>
+                </a:solidFill>
+                <a:latin typeface="+mn-lt"/>
+                <a:ea typeface="+mn-ea"/>
+                <a:cs typeface="+mn-cs"/>
+              </a:defRPr>
+            </a:lvl8pPr>
+            <a:lvl9pPr marL="3886200" indent="-228600" algn="l" defTabSz="914400" rtl="0" eaLnBrk="1" latinLnBrk="0" hangingPunct="1">
+              <a:lnSpc>
+                <a:spcPct val="90000"/>
+              </a:lnSpc>
+              <a:spcBef>
+                <a:spcPts val="500"/>
+              </a:spcBef>
+              <a:buFont typeface="Arial" panose="020B0604020202020204" pitchFamily="34" charset="0"/>
+              <a:buChar char="•"/>
+              <a:defRPr sz="1800" kern="1200">
+                <a:solidFill>
+                  <a:schemeClr val="tx1"/>
+                </a:solidFill>
+                <a:latin typeface="+mn-lt"/>
+                <a:ea typeface="+mn-ea"/>
+                <a:cs typeface="+mn-cs"/>
+              </a:defRPr>
+            </a:lvl9pPr>
+          </a:lstStyle>
+          <a:p>
+            <a:endParaRPr lang="en-US" dirty="0"/>
+          </a:p>
+        </p:txBody>
+      </p:sp>
+      <p:sp>
+        <p:nvSpPr>
           <p:cNvPr id="4" name="Footer Placeholder 3">
             <a:extLst>
               <a:ext uri="{FF2B5EF4-FFF2-40B4-BE49-F238E27FC236}">
-                <a16:creationId xmlns:a16="http://schemas.microsoft.com/office/drawing/2014/main" id="{EFF3A170-42A2-4531-9696-ED1A545EFE91}"/>
+                <a16:creationId xmlns:a16="http://schemas.microsoft.com/office/drawing/2014/main" id="{955F9F9F-3846-43D3-B86C-EE9AFD5C095A}"/>
               </a:ext>
             </a:extLst>
           </p:cNvPr>
@@ -5355,19 +5785,63 @@
             <p:ph type="ftr" sz="quarter" idx="11"/>
           </p:nvPr>
         </p:nvSpPr>
-        <p:spPr/>
-        <p:txBody>
-          <a:bodyPr/>
-          <a:lstStyle/>
-          <a:p>
-            <a:endParaRPr lang="en-US"/>
-          </a:p>
-        </p:txBody>
-      </p:sp>
+        <p:spPr>
+          <a:xfrm>
+            <a:off x="838200" y="6356350"/>
+            <a:ext cx="10769599" cy="365125"/>
+          </a:xfrm>
+        </p:spPr>
+        <p:txBody>
+          <a:bodyPr/>
+          <a:lstStyle/>
+          <a:p>
+            <a:r>
+              <a:rPr lang="en-US" dirty="0"/>
+              <a:t>https://www.bankofengland.co.uk/knowledgebank/how-do-card-payments-work</a:t>
+            </a:r>
+          </a:p>
+        </p:txBody>
+      </p:sp>
+      <p:pic>
+        <p:nvPicPr>
+          <p:cNvPr id="7" name="Picture 6">
+            <a:extLst>
+              <a:ext uri="{FF2B5EF4-FFF2-40B4-BE49-F238E27FC236}">
+                <a16:creationId xmlns:a16="http://schemas.microsoft.com/office/drawing/2014/main" id="{85DD333C-708F-4241-A687-1B848ACBFCDE}"/>
+              </a:ext>
+            </a:extLst>
+          </p:cNvPr>
+          <p:cNvPicPr>
+            <a:picLocks noChangeAspect="1"/>
+          </p:cNvPicPr>
+          <p:nvPr/>
+        </p:nvPicPr>
+        <p:blipFill>
+          <a:blip r:embed="rId2">
+            <a:extLst>
+              <a:ext uri="{28A0092B-C50C-407E-A947-70E740481C1C}">
+                <a14:useLocalDpi xmlns:a14="http://schemas.microsoft.com/office/drawing/2010/main" val="0"/>
+              </a:ext>
+            </a:extLst>
+          </a:blip>
+          <a:stretch>
+            <a:fillRect/>
+          </a:stretch>
+        </p:blipFill>
+        <p:spPr>
+          <a:xfrm>
+            <a:off x="3966984" y="2041696"/>
+            <a:ext cx="4766031" cy="4224235"/>
+          </a:xfrm>
+          <a:prstGeom prst="rect">
+            <a:avLst/>
+          </a:prstGeom>
+        </p:spPr>
+      </p:pic>
     </p:spTree>
     <p:extLst>
       <p:ext uri="{BB962C8B-B14F-4D97-AF65-F5344CB8AC3E}">
-        <p14:creationId xmlns:p14="http://schemas.microsoft.com/office/powerpoint/2010/main" val="3561977040"/>
+        <p14:creationId xmlns:p14="http://schemas.microsoft.com/office/powerpoint/2010/main" val="2817676905"/>
       </p:ext>
     </p:extLst>
   </p:cSld>
@@ -5399,7 +5873,7 @@
           <p:cNvPr id="2" name="Title 1">
             <a:extLst>
               <a:ext uri="{FF2B5EF4-FFF2-40B4-BE49-F238E27FC236}">
-                <a16:creationId xmlns:a16="http://schemas.microsoft.com/office/drawing/2014/main" id="{EA6E844E-72F3-40C2-9FE7-1F4910ADD0F3}"/>
+                <a16:creationId xmlns:a16="http://schemas.microsoft.com/office/drawing/2014/main" id="{5C64B2C0-9825-48CA-B0E3-8BAB8377E75B}"/>
               </a:ext>
             </a:extLst>
           </p:cNvPr>
@@ -5417,7 +5891,7 @@
           <a:p>
             <a:r>
               <a:rPr lang="en-US" dirty="0"/>
-              <a:t>Overview of How it is implemented</a:t>
+              <a:t>Problems that we want to solve</a:t>
             </a:r>
           </a:p>
         </p:txBody>
@@ -5427,7 +5901,7 @@
           <p:cNvPr id="3" name="Content Placeholder 2">
             <a:extLst>
               <a:ext uri="{FF2B5EF4-FFF2-40B4-BE49-F238E27FC236}">
-                <a16:creationId xmlns:a16="http://schemas.microsoft.com/office/drawing/2014/main" id="{1C8F8349-9B7A-41B1-8812-96A58D7C0888}"/>
+                <a16:creationId xmlns:a16="http://schemas.microsoft.com/office/drawing/2014/main" id="{E8EACC5E-F238-4A48-AFA2-1211B4267669}"/>
               </a:ext>
             </a:extLst>
           </p:cNvPr>
@@ -5438,18 +5912,222 @@
             <p:ph idx="1"/>
           </p:nvPr>
         </p:nvSpPr>
-        <p:spPr/>
-        <p:txBody>
-          <a:bodyPr/>
-          <a:lstStyle/>
-          <a:p>
-            <a:r>
-              <a:rPr lang="en-US"/>
-              <a:t>Decentralized environment </a:t>
-            </a:r>
-          </a:p>
-          <a:p>
-            <a:endParaRPr lang="en-US"/>
+        <p:spPr>
+          <a:xfrm>
+            <a:off x="838200" y="1444487"/>
+            <a:ext cx="10769600" cy="4731026"/>
+          </a:xfrm>
+        </p:spPr>
+        <p:txBody>
+          <a:bodyPr/>
+          <a:lstStyle/>
+          <a:p>
+            <a:pPr marL="0" indent="0" algn="ctr">
+              <a:buNone/>
+            </a:pPr>
+            <a:r>
+              <a:rPr lang="en-US" dirty="0"/>
+              <a:t>Intermediaries</a:t>
+            </a:r>
+          </a:p>
+          <a:p>
+            <a:endParaRPr lang="en-US" dirty="0"/>
+          </a:p>
+        </p:txBody>
+      </p:sp>
+      <p:sp>
+        <p:nvSpPr>
+          <p:cNvPr id="6" name="Content Placeholder 2">
+            <a:extLst>
+              <a:ext uri="{FF2B5EF4-FFF2-40B4-BE49-F238E27FC236}">
+                <a16:creationId xmlns:a16="http://schemas.microsoft.com/office/drawing/2014/main" id="{BAC6A42E-3B31-4214-900B-2DA73544B4E3}"/>
+              </a:ext>
+            </a:extLst>
+          </p:cNvPr>
+          <p:cNvSpPr txBox="1">
+            <a:spLocks/>
+          </p:cNvSpPr>
+          <p:nvPr/>
+        </p:nvSpPr>
+        <p:spPr>
+          <a:xfrm>
+            <a:off x="1092200" y="5385594"/>
+            <a:ext cx="10515600" cy="596900"/>
+          </a:xfrm>
+          <a:prstGeom prst="rect">
+            <a:avLst/>
+          </a:prstGeom>
+        </p:spPr>
+        <p:txBody>
+          <a:bodyPr vert="horz" lIns="91440" tIns="45720" rIns="91440" bIns="45720" rtlCol="0">
+            <a:normAutofit/>
+          </a:bodyPr>
+          <a:lstStyle>
+            <a:lvl1pPr marL="228600" indent="-228600" algn="l" defTabSz="914400" rtl="0" eaLnBrk="1" latinLnBrk="0" hangingPunct="1">
+              <a:lnSpc>
+                <a:spcPct val="90000"/>
+              </a:lnSpc>
+              <a:spcBef>
+                <a:spcPts val="1000"/>
+              </a:spcBef>
+              <a:buFont typeface="Arial" panose="020B0604020202020204" pitchFamily="34" charset="0"/>
+              <a:buChar char="•"/>
+              <a:defRPr sz="2800" kern="1200">
+                <a:solidFill>
+                  <a:schemeClr val="tx1"/>
+                </a:solidFill>
+                <a:latin typeface="+mn-lt"/>
+                <a:ea typeface="+mn-ea"/>
+                <a:cs typeface="+mn-cs"/>
+              </a:defRPr>
+            </a:lvl1pPr>
+            <a:lvl2pPr marL="685800" indent="-228600" algn="l" defTabSz="914400" rtl="0" eaLnBrk="1" latinLnBrk="0" hangingPunct="1">
+              <a:lnSpc>
+                <a:spcPct val="90000"/>
+              </a:lnSpc>
+              <a:spcBef>
+                <a:spcPts val="500"/>
+              </a:spcBef>
+              <a:buFont typeface="Arial" panose="020B0604020202020204" pitchFamily="34" charset="0"/>
+              <a:buChar char="•"/>
+              <a:defRPr sz="2400" kern="1200">
+                <a:solidFill>
+                  <a:schemeClr val="tx1"/>
+                </a:solidFill>
+                <a:latin typeface="+mn-lt"/>
+                <a:ea typeface="+mn-ea"/>
+                <a:cs typeface="+mn-cs"/>
+              </a:defRPr>
+            </a:lvl2pPr>
+            <a:lvl3pPr marL="1143000" indent="-228600" algn="l" defTabSz="914400" rtl="0" eaLnBrk="1" latinLnBrk="0" hangingPunct="1">
+              <a:lnSpc>
+                <a:spcPct val="90000"/>
+              </a:lnSpc>
+              <a:spcBef>
+                <a:spcPts val="500"/>
+              </a:spcBef>
+              <a:buFont typeface="Arial" panose="020B0604020202020204" pitchFamily="34" charset="0"/>
+              <a:buChar char="•"/>
+              <a:defRPr sz="2000" kern="1200">
+                <a:solidFill>
+                  <a:schemeClr val="tx1"/>
+                </a:solidFill>
+                <a:latin typeface="+mn-lt"/>
+                <a:ea typeface="+mn-ea"/>
+                <a:cs typeface="+mn-cs"/>
+              </a:defRPr>
+            </a:lvl3pPr>
+            <a:lvl4pPr marL="1600200" indent="-228600" algn="l" defTabSz="914400" rtl="0" eaLnBrk="1" latinLnBrk="0" hangingPunct="1">
+              <a:lnSpc>
+                <a:spcPct val="90000"/>
+              </a:lnSpc>
+              <a:spcBef>
+                <a:spcPts val="500"/>
+              </a:spcBef>
+              <a:buFont typeface="Arial" panose="020B0604020202020204" pitchFamily="34" charset="0"/>
+              <a:buChar char="•"/>
+              <a:defRPr sz="1800" kern="1200">
+                <a:solidFill>
+                  <a:schemeClr val="tx1"/>
+                </a:solidFill>
+                <a:latin typeface="+mn-lt"/>
+                <a:ea typeface="+mn-ea"/>
+                <a:cs typeface="+mn-cs"/>
+              </a:defRPr>
+            </a:lvl4pPr>
+            <a:lvl5pPr marL="2057400" indent="-228600" algn="l" defTabSz="914400" rtl="0" eaLnBrk="1" latinLnBrk="0" hangingPunct="1">
+              <a:lnSpc>
+                <a:spcPct val="90000"/>
+              </a:lnSpc>
+              <a:spcBef>
+                <a:spcPts val="500"/>
+              </a:spcBef>
+              <a:buFont typeface="Arial" panose="020B0604020202020204" pitchFamily="34" charset="0"/>
+              <a:buChar char="•"/>
+              <a:defRPr sz="1800" kern="1200">
+                <a:solidFill>
+                  <a:schemeClr val="tx1"/>
+                </a:solidFill>
+                <a:latin typeface="+mn-lt"/>
+                <a:ea typeface="+mn-ea"/>
+                <a:cs typeface="+mn-cs"/>
+              </a:defRPr>
+            </a:lvl5pPr>
+            <a:lvl6pPr marL="2514600" indent="-228600" algn="l" defTabSz="914400" rtl="0" eaLnBrk="1" latinLnBrk="0" hangingPunct="1">
+              <a:lnSpc>
+                <a:spcPct val="90000"/>
+              </a:lnSpc>
+              <a:spcBef>
+                <a:spcPts val="500"/>
+              </a:spcBef>
+              <a:buFont typeface="Arial" panose="020B0604020202020204" pitchFamily="34" charset="0"/>
+              <a:buChar char="•"/>
+              <a:defRPr sz="1800" kern="1200">
+                <a:solidFill>
+                  <a:schemeClr val="tx1"/>
+                </a:solidFill>
+                <a:latin typeface="+mn-lt"/>
+                <a:ea typeface="+mn-ea"/>
+                <a:cs typeface="+mn-cs"/>
+              </a:defRPr>
+            </a:lvl6pPr>
+            <a:lvl7pPr marL="2971800" indent="-228600" algn="l" defTabSz="914400" rtl="0" eaLnBrk="1" latinLnBrk="0" hangingPunct="1">
+              <a:lnSpc>
+                <a:spcPct val="90000"/>
+              </a:lnSpc>
+              <a:spcBef>
+                <a:spcPts val="500"/>
+              </a:spcBef>
+              <a:buFont typeface="Arial" panose="020B0604020202020204" pitchFamily="34" charset="0"/>
+              <a:buChar char="•"/>
+              <a:defRPr sz="1800" kern="1200">
+                <a:solidFill>
+                  <a:schemeClr val="tx1"/>
+                </a:solidFill>
+                <a:latin typeface="+mn-lt"/>
+                <a:ea typeface="+mn-ea"/>
+                <a:cs typeface="+mn-cs"/>
+              </a:defRPr>
+            </a:lvl7pPr>
+            <a:lvl8pPr marL="3429000" indent="-228600" algn="l" defTabSz="914400" rtl="0" eaLnBrk="1" latinLnBrk="0" hangingPunct="1">
+              <a:lnSpc>
+                <a:spcPct val="90000"/>
+              </a:lnSpc>
+              <a:spcBef>
+                <a:spcPts val="500"/>
+              </a:spcBef>
+              <a:buFont typeface="Arial" panose="020B0604020202020204" pitchFamily="34" charset="0"/>
+              <a:buChar char="•"/>
+              <a:defRPr sz="1800" kern="1200">
+                <a:solidFill>
+                  <a:schemeClr val="tx1"/>
+                </a:solidFill>
+                <a:latin typeface="+mn-lt"/>
+                <a:ea typeface="+mn-ea"/>
+                <a:cs typeface="+mn-cs"/>
+              </a:defRPr>
+            </a:lvl8pPr>
+            <a:lvl9pPr marL="3886200" indent="-228600" algn="l" defTabSz="914400" rtl="0" eaLnBrk="1" latinLnBrk="0" hangingPunct="1">
+              <a:lnSpc>
+                <a:spcPct val="90000"/>
+              </a:lnSpc>
+              <a:spcBef>
+                <a:spcPts val="500"/>
+              </a:spcBef>
+              <a:buFont typeface="Arial" panose="020B0604020202020204" pitchFamily="34" charset="0"/>
+              <a:buChar char="•"/>
+              <a:defRPr sz="1800" kern="1200">
+                <a:solidFill>
+                  <a:schemeClr val="tx1"/>
+                </a:solidFill>
+                <a:latin typeface="+mn-lt"/>
+                <a:ea typeface="+mn-ea"/>
+                <a:cs typeface="+mn-cs"/>
+              </a:defRPr>
+            </a:lvl9pPr>
+          </a:lstStyle>
+          <a:p>
+            <a:endParaRPr lang="en-US" dirty="0"/>
           </a:p>
         </p:txBody>
       </p:sp>
@@ -5458,7 +6136,7 @@
           <p:cNvPr id="4" name="Footer Placeholder 3">
             <a:extLst>
               <a:ext uri="{FF2B5EF4-FFF2-40B4-BE49-F238E27FC236}">
-                <a16:creationId xmlns:a16="http://schemas.microsoft.com/office/drawing/2014/main" id="{46FEF78B-3EC7-43E6-98F1-166C2FDC1858}"/>
+                <a16:creationId xmlns:a16="http://schemas.microsoft.com/office/drawing/2014/main" id="{955F9F9F-3846-43D3-B86C-EE9AFD5C095A}"/>
               </a:ext>
             </a:extLst>
           </p:cNvPr>
@@ -5469,19 +6147,63 @@
             <p:ph type="ftr" sz="quarter" idx="11"/>
           </p:nvPr>
         </p:nvSpPr>
-        <p:spPr/>
-        <p:txBody>
-          <a:bodyPr/>
-          <a:lstStyle/>
-          <a:p>
-            <a:endParaRPr lang="en-US"/>
-          </a:p>
-        </p:txBody>
-      </p:sp>
+        <p:spPr>
+          <a:xfrm>
+            <a:off x="838200" y="6356350"/>
+            <a:ext cx="10769599" cy="365125"/>
+          </a:xfrm>
+        </p:spPr>
+        <p:txBody>
+          <a:bodyPr/>
+          <a:lstStyle/>
+          <a:p>
+            <a:r>
+              <a:rPr lang="en-US" dirty="0"/>
+              <a:t>https://www.bankofengland.co.uk/knowledgebank/how-do-card-payments-work</a:t>
+            </a:r>
+          </a:p>
+        </p:txBody>
+      </p:sp>
+      <p:pic>
+        <p:nvPicPr>
+          <p:cNvPr id="7" name="Picture 6">
+            <a:extLst>
+              <a:ext uri="{FF2B5EF4-FFF2-40B4-BE49-F238E27FC236}">
+                <a16:creationId xmlns:a16="http://schemas.microsoft.com/office/drawing/2014/main" id="{85DD333C-708F-4241-A687-1B848ACBFCDE}"/>
+              </a:ext>
+            </a:extLst>
+          </p:cNvPr>
+          <p:cNvPicPr>
+            <a:picLocks noChangeAspect="1"/>
+          </p:cNvPicPr>
+          <p:nvPr/>
+        </p:nvPicPr>
+        <p:blipFill>
+          <a:blip r:embed="rId2">
+            <a:extLst>
+              <a:ext uri="{28A0092B-C50C-407E-A947-70E740481C1C}">
+                <a14:useLocalDpi xmlns:a14="http://schemas.microsoft.com/office/drawing/2010/main" val="0"/>
+              </a:ext>
+            </a:extLst>
+          </a:blip>
+          <a:stretch>
+            <a:fillRect/>
+          </a:stretch>
+        </p:blipFill>
+        <p:spPr>
+          <a:xfrm>
+            <a:off x="3966984" y="2041696"/>
+            <a:ext cx="4766031" cy="4224235"/>
+          </a:xfrm>
+          <a:prstGeom prst="rect">
+            <a:avLst/>
+          </a:prstGeom>
+        </p:spPr>
+      </p:pic>
     </p:spTree>
     <p:extLst>
       <p:ext uri="{BB962C8B-B14F-4D97-AF65-F5344CB8AC3E}">
-        <p14:creationId xmlns:p14="http://schemas.microsoft.com/office/powerpoint/2010/main" val="3249715916"/>
+        <p14:creationId xmlns:p14="http://schemas.microsoft.com/office/powerpoint/2010/main" val="76064110"/>
       </p:ext>
     </p:extLst>
   </p:cSld>
@@ -5513,7 +6235,7 @@
           <p:cNvPr id="2" name="Title 1">
             <a:extLst>
               <a:ext uri="{FF2B5EF4-FFF2-40B4-BE49-F238E27FC236}">
-                <a16:creationId xmlns:a16="http://schemas.microsoft.com/office/drawing/2014/main" id="{22BB3B10-4BAF-46CC-9BB9-A2E8E40015E1}"/>
+                <a16:creationId xmlns:a16="http://schemas.microsoft.com/office/drawing/2014/main" id="{2F8CA95A-2352-4C3C-BB2F-0AF30A641769}"/>
               </a:ext>
             </a:extLst>
           </p:cNvPr>
@@ -5531,7 +6253,7 @@
           <a:p>
             <a:r>
               <a:rPr lang="en-US" dirty="0"/>
-              <a:t>Common uses of Blockchain</a:t>
+              <a:t>General concept of Blockchain</a:t>
             </a:r>
           </a:p>
         </p:txBody>
@@ -5541,7 +6263,7 @@
           <p:cNvPr id="3" name="Content Placeholder 2">
             <a:extLst>
               <a:ext uri="{FF2B5EF4-FFF2-40B4-BE49-F238E27FC236}">
-                <a16:creationId xmlns:a16="http://schemas.microsoft.com/office/drawing/2014/main" id="{9CFF640B-BA57-4542-B360-E922304EFE8D}"/>
+                <a16:creationId xmlns:a16="http://schemas.microsoft.com/office/drawing/2014/main" id="{86A14F35-5599-4413-9392-55743DACF57D}"/>
               </a:ext>
             </a:extLst>
           </p:cNvPr>
@@ -5557,7 +6279,7 @@
           <a:bodyPr/>
           <a:lstStyle/>
           <a:p>
-            <a:endParaRPr lang="en-US"/>
+            <a:endParaRPr lang="en-US" dirty="0"/>
           </a:p>
         </p:txBody>
       </p:sp>
@@ -5566,7 +6288,7 @@
           <p:cNvPr id="4" name="Footer Placeholder 3">
             <a:extLst>
               <a:ext uri="{FF2B5EF4-FFF2-40B4-BE49-F238E27FC236}">
-                <a16:creationId xmlns:a16="http://schemas.microsoft.com/office/drawing/2014/main" id="{DA16B56A-B112-4B21-9AB3-AB001ED2DACE}"/>
+                <a16:creationId xmlns:a16="http://schemas.microsoft.com/office/drawing/2014/main" id="{EFF3A170-42A2-4531-9696-ED1A545EFE91}"/>
               </a:ext>
             </a:extLst>
           </p:cNvPr>
@@ -5589,7 +6311,7 @@
     </p:spTree>
     <p:extLst>
       <p:ext uri="{BB962C8B-B14F-4D97-AF65-F5344CB8AC3E}">
-        <p14:creationId xmlns:p14="http://schemas.microsoft.com/office/powerpoint/2010/main" val="3012064447"/>
+        <p14:creationId xmlns:p14="http://schemas.microsoft.com/office/powerpoint/2010/main" val="3561977040"/>
       </p:ext>
     </p:extLst>
   </p:cSld>
@@ -5621,7 +6343,7 @@
           <p:cNvPr id="2" name="Title 1">
             <a:extLst>
               <a:ext uri="{FF2B5EF4-FFF2-40B4-BE49-F238E27FC236}">
-                <a16:creationId xmlns:a16="http://schemas.microsoft.com/office/drawing/2014/main" id="{AAFBE371-A305-4703-8131-7CC4DC932CD9}"/>
+                <a16:creationId xmlns:a16="http://schemas.microsoft.com/office/drawing/2014/main" id="{EA6E844E-72F3-40C2-9FE7-1F4910ADD0F3}"/>
               </a:ext>
             </a:extLst>
           </p:cNvPr>
@@ -5639,7 +6361,7 @@
           <a:p>
             <a:r>
               <a:rPr lang="en-US" dirty="0"/>
-              <a:t>Problems of Blockchain</a:t>
+              <a:t>Overview of How it is implemented</a:t>
             </a:r>
           </a:p>
         </p:txBody>
@@ -5649,7 +6371,7 @@
           <p:cNvPr id="3" name="Content Placeholder 2">
             <a:extLst>
               <a:ext uri="{FF2B5EF4-FFF2-40B4-BE49-F238E27FC236}">
-                <a16:creationId xmlns:a16="http://schemas.microsoft.com/office/drawing/2014/main" id="{FF94A939-87BA-4C9C-9606-B4F4A1FA1C89}"/>
+                <a16:creationId xmlns:a16="http://schemas.microsoft.com/office/drawing/2014/main" id="{1C8F8349-9B7A-41B1-8812-96A58D7C0888}"/>
               </a:ext>
             </a:extLst>
           </p:cNvPr>
@@ -5665,6 +6387,12 @@
           <a:bodyPr/>
           <a:lstStyle/>
           <a:p>
+            <a:r>
+              <a:rPr lang="en-US"/>
+              <a:t>Decentralized environment </a:t>
+            </a:r>
+          </a:p>
+          <a:p>
             <a:endParaRPr lang="en-US"/>
           </a:p>
         </p:txBody>
@@ -5674,7 +6402,7 @@
           <p:cNvPr id="4" name="Footer Placeholder 3">
             <a:extLst>
               <a:ext uri="{FF2B5EF4-FFF2-40B4-BE49-F238E27FC236}">
-                <a16:creationId xmlns:a16="http://schemas.microsoft.com/office/drawing/2014/main" id="{116DA02E-1505-4585-B4BF-C8A6E1153A5C}"/>
+                <a16:creationId xmlns:a16="http://schemas.microsoft.com/office/drawing/2014/main" id="{46FEF78B-3EC7-43E6-98F1-166C2FDC1858}"/>
               </a:ext>
             </a:extLst>
           </p:cNvPr>
@@ -5697,7 +6425,7 @@
     </p:spTree>
     <p:extLst>
       <p:ext uri="{BB962C8B-B14F-4D97-AF65-F5344CB8AC3E}">
-        <p14:creationId xmlns:p14="http://schemas.microsoft.com/office/powerpoint/2010/main" val="424847333"/>
+        <p14:creationId xmlns:p14="http://schemas.microsoft.com/office/powerpoint/2010/main" val="3249715916"/>
       </p:ext>
     </p:extLst>
   </p:cSld>

--- a/The Future of Blockchain.pptx
+++ b/The Future of Blockchain.pptx
@@ -5,7 +5,7 @@
     <p:sldMasterId id="2147483648" r:id="rId1"/>
   </p:sldMasterIdLst>
   <p:notesMasterIdLst>
-    <p:notesMasterId r:id="rId15"/>
+    <p:notesMasterId r:id="rId13"/>
   </p:notesMasterIdLst>
   <p:sldIdLst>
     <p:sldId id="256" r:id="rId2"/>
@@ -14,13 +14,11 @@
     <p:sldId id="265" r:id="rId5"/>
     <p:sldId id="266" r:id="rId6"/>
     <p:sldId id="267" r:id="rId7"/>
-    <p:sldId id="268" r:id="rId8"/>
-    <p:sldId id="259" r:id="rId9"/>
-    <p:sldId id="260" r:id="rId10"/>
-    <p:sldId id="261" r:id="rId11"/>
-    <p:sldId id="262" r:id="rId12"/>
-    <p:sldId id="263" r:id="rId13"/>
-    <p:sldId id="264" r:id="rId14"/>
+    <p:sldId id="259" r:id="rId8"/>
+    <p:sldId id="260" r:id="rId9"/>
+    <p:sldId id="261" r:id="rId10"/>
+    <p:sldId id="262" r:id="rId11"/>
+    <p:sldId id="264" r:id="rId12"/>
   </p:sldIdLst>
   <p:sldSz cx="12192000" cy="6858000"/>
   <p:notesSz cx="6858000" cy="9144000"/>
@@ -134,12 +132,10 @@
             <p14:sldId id="265"/>
             <p14:sldId id="266"/>
             <p14:sldId id="267"/>
-            <p14:sldId id="268"/>
             <p14:sldId id="259"/>
             <p14:sldId id="260"/>
             <p14:sldId id="261"/>
             <p14:sldId id="262"/>
-            <p14:sldId id="263"/>
             <p14:sldId id="264"/>
           </p14:sldIdLst>
         </p14:section>
@@ -234,7 +230,7 @@
           <a:p>
             <a:fld id="{F454D6B2-E810-4A64-9BA8-55BC563FD3C6}" type="datetimeFigureOut">
               <a:rPr lang="en-US" smtClean="0"/>
-              <a:t>4/19/2022</a:t>
+              <a:t>4/20/2022</a:t>
             </a:fld>
             <a:endParaRPr lang="en-US"/>
           </a:p>
@@ -648,7 +644,7 @@
           <a:p>
             <a:fld id="{4F8EDF7F-3C73-4429-B464-79D52963A752}" type="datetime1">
               <a:rPr lang="en-US" smtClean="0"/>
-              <a:t>4/19/2022</a:t>
+              <a:t>4/20/2022</a:t>
             </a:fld>
             <a:endParaRPr lang="en-US"/>
           </a:p>
@@ -846,7 +842,7 @@
           <a:p>
             <a:fld id="{EE035E90-96D2-40CA-9D8B-9E9465D75337}" type="datetime1">
               <a:rPr lang="en-US" smtClean="0"/>
-              <a:t>4/19/2022</a:t>
+              <a:t>4/20/2022</a:t>
             </a:fld>
             <a:endParaRPr lang="en-US"/>
           </a:p>
@@ -1054,7 +1050,7 @@
           <a:p>
             <a:fld id="{5C5DB4C3-0EF1-4435-B19E-AA9670EC8C3B}" type="datetime1">
               <a:rPr lang="en-US" smtClean="0"/>
-              <a:t>4/19/2022</a:t>
+              <a:t>4/20/2022</a:t>
             </a:fld>
             <a:endParaRPr lang="en-US"/>
           </a:p>
@@ -1252,7 +1248,7 @@
           <a:p>
             <a:fld id="{1477705E-35F6-417F-8841-D90D9E346D4B}" type="datetime1">
               <a:rPr lang="en-US" smtClean="0"/>
-              <a:t>4/19/2022</a:t>
+              <a:t>4/20/2022</a:t>
             </a:fld>
             <a:endParaRPr lang="en-US"/>
           </a:p>
@@ -1527,7 +1523,7 @@
           <a:p>
             <a:fld id="{66B2BD42-3099-45BB-8076-FE7AF5B78CA6}" type="datetime1">
               <a:rPr lang="en-US" smtClean="0"/>
-              <a:t>4/19/2022</a:t>
+              <a:t>4/20/2022</a:t>
             </a:fld>
             <a:endParaRPr lang="en-US"/>
           </a:p>
@@ -1792,7 +1788,7 @@
           <a:p>
             <a:fld id="{36E2F4DA-F9C8-4357-8FAD-49ADC378FC2A}" type="datetime1">
               <a:rPr lang="en-US" smtClean="0"/>
-              <a:t>4/19/2022</a:t>
+              <a:t>4/20/2022</a:t>
             </a:fld>
             <a:endParaRPr lang="en-US"/>
           </a:p>
@@ -2204,7 +2200,7 @@
           <a:p>
             <a:fld id="{2BE090A4-E75F-43ED-8F86-52E099C428B0}" type="datetime1">
               <a:rPr lang="en-US" smtClean="0"/>
-              <a:t>4/19/2022</a:t>
+              <a:t>4/20/2022</a:t>
             </a:fld>
             <a:endParaRPr lang="en-US"/>
           </a:p>
@@ -2345,7 +2341,7 @@
           <a:p>
             <a:fld id="{1BB3AA94-7768-466F-AFE5-AC0867708B21}" type="datetime1">
               <a:rPr lang="en-US" smtClean="0"/>
-              <a:t>4/19/2022</a:t>
+              <a:t>4/20/2022</a:t>
             </a:fld>
             <a:endParaRPr lang="en-US"/>
           </a:p>
@@ -2458,7 +2454,7 @@
           <a:p>
             <a:fld id="{E75AC77C-7F72-4E0B-A755-36BF25B93E9C}" type="datetime1">
               <a:rPr lang="en-US" smtClean="0"/>
-              <a:t>4/19/2022</a:t>
+              <a:t>4/20/2022</a:t>
             </a:fld>
             <a:endParaRPr lang="en-US"/>
           </a:p>
@@ -2769,7 +2765,7 @@
           <a:p>
             <a:fld id="{A62DE8C4-7B44-4195-A968-F147A766EF9D}" type="datetime1">
               <a:rPr lang="en-US" smtClean="0"/>
-              <a:t>4/19/2022</a:t>
+              <a:t>4/20/2022</a:t>
             </a:fld>
             <a:endParaRPr lang="en-US"/>
           </a:p>
@@ -3057,7 +3053,7 @@
           <a:p>
             <a:fld id="{E93109BB-C69E-4330-A092-CC926DC30BC2}" type="datetime1">
               <a:rPr lang="en-US" smtClean="0"/>
-              <a:t>4/19/2022</a:t>
+              <a:t>4/20/2022</a:t>
             </a:fld>
             <a:endParaRPr lang="en-US"/>
           </a:p>
@@ -3298,7 +3294,7 @@
           <a:p>
             <a:fld id="{3B0DC6D4-4E53-481A-86E5-1D77B4A868E9}" type="datetime1">
               <a:rPr lang="en-US" smtClean="0"/>
-              <a:t>4/19/2022</a:t>
+              <a:t>4/20/2022</a:t>
             </a:fld>
             <a:endParaRPr lang="en-US"/>
           </a:p>
@@ -3832,7 +3828,7 @@
           <p:cNvPr id="2" name="Title 1">
             <a:extLst>
               <a:ext uri="{FF2B5EF4-FFF2-40B4-BE49-F238E27FC236}">
-                <a16:creationId xmlns:a16="http://schemas.microsoft.com/office/drawing/2014/main" id="{22BB3B10-4BAF-46CC-9BB9-A2E8E40015E1}"/>
+                <a16:creationId xmlns:a16="http://schemas.microsoft.com/office/drawing/2014/main" id="{AAFBE371-A305-4703-8131-7CC4DC932CD9}"/>
               </a:ext>
             </a:extLst>
           </p:cNvPr>
@@ -3850,42 +3846,52 @@
           <a:p>
             <a:r>
               <a:rPr lang="en-US" dirty="0"/>
-              <a:t>Common uses of Blockchain</a:t>
-            </a:r>
-          </a:p>
-        </p:txBody>
-      </p:sp>
-      <p:sp>
-        <p:nvSpPr>
-          <p:cNvPr id="3" name="Content Placeholder 2">
-            <a:extLst>
-              <a:ext uri="{FF2B5EF4-FFF2-40B4-BE49-F238E27FC236}">
-                <a16:creationId xmlns:a16="http://schemas.microsoft.com/office/drawing/2014/main" id="{9CFF640B-BA57-4542-B360-E922304EFE8D}"/>
-              </a:ext>
-            </a:extLst>
-          </p:cNvPr>
-          <p:cNvSpPr>
-            <a:spLocks noGrp="1"/>
-          </p:cNvSpPr>
+              <a:t>Problems of Blockchain</a:t>
+            </a:r>
+          </a:p>
+        </p:txBody>
+      </p:sp>
+      <p:pic>
+        <p:nvPicPr>
+          <p:cNvPr id="6" name="Content Placeholder 5">
+            <a:extLst>
+              <a:ext uri="{FF2B5EF4-FFF2-40B4-BE49-F238E27FC236}">
+                <a16:creationId xmlns:a16="http://schemas.microsoft.com/office/drawing/2014/main" id="{3CE708C5-83FF-460D-A4E2-F6399A538B2C}"/>
+              </a:ext>
+            </a:extLst>
+          </p:cNvPr>
+          <p:cNvPicPr>
+            <a:picLocks noGrp="1" noChangeAspect="1"/>
+          </p:cNvPicPr>
           <p:nvPr>
             <p:ph idx="1"/>
           </p:nvPr>
-        </p:nvSpPr>
-        <p:spPr/>
-        <p:txBody>
-          <a:bodyPr/>
-          <a:lstStyle/>
-          <a:p>
-            <a:endParaRPr lang="en-US"/>
-          </a:p>
-        </p:txBody>
-      </p:sp>
+        </p:nvPicPr>
+        <p:blipFill>
+          <a:blip r:embed="rId2">
+            <a:extLst>
+              <a:ext uri="{28A0092B-C50C-407E-A947-70E740481C1C}">
+                <a14:useLocalDpi xmlns:a14="http://schemas.microsoft.com/office/drawing/2010/main" val="0"/>
+              </a:ext>
+            </a:extLst>
+          </a:blip>
+          <a:stretch>
+            <a:fillRect/>
+          </a:stretch>
+        </p:blipFill>
+        <p:spPr>
+          <a:xfrm>
+            <a:off x="3123621" y="1500161"/>
+            <a:ext cx="5842148" cy="4445218"/>
+          </a:xfrm>
+        </p:spPr>
+      </p:pic>
       <p:sp>
         <p:nvSpPr>
           <p:cNvPr id="4" name="Footer Placeholder 3">
             <a:extLst>
               <a:ext uri="{FF2B5EF4-FFF2-40B4-BE49-F238E27FC236}">
-                <a16:creationId xmlns:a16="http://schemas.microsoft.com/office/drawing/2014/main" id="{DA16B56A-B112-4B21-9AB3-AB001ED2DACE}"/>
+                <a16:creationId xmlns:a16="http://schemas.microsoft.com/office/drawing/2014/main" id="{116DA02E-1505-4585-B4BF-C8A6E1153A5C}"/>
               </a:ext>
             </a:extLst>
           </p:cNvPr>
@@ -3896,19 +3902,27 @@
             <p:ph type="ftr" sz="quarter" idx="11"/>
           </p:nvPr>
         </p:nvSpPr>
-        <p:spPr/>
-        <p:txBody>
-          <a:bodyPr/>
-          <a:lstStyle/>
-          <a:p>
-            <a:endParaRPr lang="en-US"/>
+        <p:spPr>
+          <a:xfrm>
+            <a:off x="838199" y="6356350"/>
+            <a:ext cx="10515599" cy="365125"/>
+          </a:xfrm>
+        </p:spPr>
+        <p:txBody>
+          <a:bodyPr/>
+          <a:lstStyle/>
+          <a:p>
+            <a:r>
+              <a:rPr lang="en-US" dirty="0"/>
+              <a:t>https://www.semanticscholar.org/paper/Blockchain-Technology%3A-Applications-and-Research-Bansod-Ragha/ffe6a539f2c4cb32cb849ffdc6cd148de06d0003</a:t>
+            </a:r>
           </a:p>
         </p:txBody>
       </p:sp>
     </p:spTree>
     <p:extLst>
       <p:ext uri="{BB962C8B-B14F-4D97-AF65-F5344CB8AC3E}">
-        <p14:creationId xmlns:p14="http://schemas.microsoft.com/office/powerpoint/2010/main" val="3012064447"/>
+        <p14:creationId xmlns:p14="http://schemas.microsoft.com/office/powerpoint/2010/main" val="424847333"/>
       </p:ext>
     </p:extLst>
   </p:cSld>
@@ -3940,7 +3954,7 @@
           <p:cNvPr id="2" name="Title 1">
             <a:extLst>
               <a:ext uri="{FF2B5EF4-FFF2-40B4-BE49-F238E27FC236}">
-                <a16:creationId xmlns:a16="http://schemas.microsoft.com/office/drawing/2014/main" id="{AAFBE371-A305-4703-8131-7CC4DC932CD9}"/>
+                <a16:creationId xmlns:a16="http://schemas.microsoft.com/office/drawing/2014/main" id="{0EFF8950-9C8B-41CD-BC95-9507D2DC9987}"/>
               </a:ext>
             </a:extLst>
           </p:cNvPr>
@@ -3958,223 +3972,7 @@
           <a:p>
             <a:r>
               <a:rPr lang="en-US" dirty="0"/>
-              <a:t>Problems of Blockchain</a:t>
-            </a:r>
-          </a:p>
-        </p:txBody>
-      </p:sp>
-      <p:sp>
-        <p:nvSpPr>
-          <p:cNvPr id="3" name="Content Placeholder 2">
-            <a:extLst>
-              <a:ext uri="{FF2B5EF4-FFF2-40B4-BE49-F238E27FC236}">
-                <a16:creationId xmlns:a16="http://schemas.microsoft.com/office/drawing/2014/main" id="{FF94A939-87BA-4C9C-9606-B4F4A1FA1C89}"/>
-              </a:ext>
-            </a:extLst>
-          </p:cNvPr>
-          <p:cNvSpPr>
-            <a:spLocks noGrp="1"/>
-          </p:cNvSpPr>
-          <p:nvPr>
-            <p:ph idx="1"/>
-          </p:nvPr>
-        </p:nvSpPr>
-        <p:spPr/>
-        <p:txBody>
-          <a:bodyPr/>
-          <a:lstStyle/>
-          <a:p>
-            <a:endParaRPr lang="en-US"/>
-          </a:p>
-        </p:txBody>
-      </p:sp>
-      <p:sp>
-        <p:nvSpPr>
-          <p:cNvPr id="4" name="Footer Placeholder 3">
-            <a:extLst>
-              <a:ext uri="{FF2B5EF4-FFF2-40B4-BE49-F238E27FC236}">
-                <a16:creationId xmlns:a16="http://schemas.microsoft.com/office/drawing/2014/main" id="{116DA02E-1505-4585-B4BF-C8A6E1153A5C}"/>
-              </a:ext>
-            </a:extLst>
-          </p:cNvPr>
-          <p:cNvSpPr>
-            <a:spLocks noGrp="1"/>
-          </p:cNvSpPr>
-          <p:nvPr>
-            <p:ph type="ftr" sz="quarter" idx="11"/>
-          </p:nvPr>
-        </p:nvSpPr>
-        <p:spPr/>
-        <p:txBody>
-          <a:bodyPr/>
-          <a:lstStyle/>
-          <a:p>
-            <a:endParaRPr lang="en-US"/>
-          </a:p>
-        </p:txBody>
-      </p:sp>
-    </p:spTree>
-    <p:extLst>
-      <p:ext uri="{BB962C8B-B14F-4D97-AF65-F5344CB8AC3E}">
-        <p14:creationId xmlns:p14="http://schemas.microsoft.com/office/powerpoint/2010/main" val="424847333"/>
-      </p:ext>
-    </p:extLst>
-  </p:cSld>
-  <p:clrMapOvr>
-    <a:masterClrMapping/>
-  </p:clrMapOvr>
-</p:sld>
-</file>
-
-<file path=ppt/slides/slide12.xml><?xml version="1.0" encoding="utf-8"?>
-<p:sld xmlns:a="http://schemas.openxmlformats.org/drawingml/2006/main" xmlns:r="http://schemas.openxmlformats.org/officeDocument/2006/relationships" xmlns:p="http://schemas.openxmlformats.org/presentationml/2006/main">
-  <p:cSld>
-    <p:spTree>
-      <p:nvGrpSpPr>
-        <p:cNvPr id="1" name=""/>
-        <p:cNvGrpSpPr/>
-        <p:nvPr/>
-      </p:nvGrpSpPr>
-      <p:grpSpPr>
-        <a:xfrm>
-          <a:off x="0" y="0"/>
-          <a:ext cx="0" cy="0"/>
-          <a:chOff x="0" y="0"/>
-          <a:chExt cx="0" cy="0"/>
-        </a:xfrm>
-      </p:grpSpPr>
-      <p:sp>
-        <p:nvSpPr>
-          <p:cNvPr id="2" name="Title 1">
-            <a:extLst>
-              <a:ext uri="{FF2B5EF4-FFF2-40B4-BE49-F238E27FC236}">
-                <a16:creationId xmlns:a16="http://schemas.microsoft.com/office/drawing/2014/main" id="{665A1B7B-394C-493F-A659-834AFA97FC4E}"/>
-              </a:ext>
-            </a:extLst>
-          </p:cNvPr>
-          <p:cNvSpPr>
-            <a:spLocks noGrp="1"/>
-          </p:cNvSpPr>
-          <p:nvPr>
-            <p:ph type="title"/>
-          </p:nvPr>
-        </p:nvSpPr>
-        <p:spPr/>
-        <p:txBody>
-          <a:bodyPr/>
-          <a:lstStyle/>
-          <a:p>
-            <a:r>
-              <a:rPr lang="en-US" dirty="0"/>
-              <a:t>Possible future uses</a:t>
-            </a:r>
-          </a:p>
-        </p:txBody>
-      </p:sp>
-      <p:sp>
-        <p:nvSpPr>
-          <p:cNvPr id="3" name="Content Placeholder 2">
-            <a:extLst>
-              <a:ext uri="{FF2B5EF4-FFF2-40B4-BE49-F238E27FC236}">
-                <a16:creationId xmlns:a16="http://schemas.microsoft.com/office/drawing/2014/main" id="{541F557F-ED81-41C3-BC06-1309D234E2DD}"/>
-              </a:ext>
-            </a:extLst>
-          </p:cNvPr>
-          <p:cNvSpPr>
-            <a:spLocks noGrp="1"/>
-          </p:cNvSpPr>
-          <p:nvPr>
-            <p:ph idx="1"/>
-          </p:nvPr>
-        </p:nvSpPr>
-        <p:spPr/>
-        <p:txBody>
-          <a:bodyPr/>
-          <a:lstStyle/>
-          <a:p>
-            <a:endParaRPr lang="en-US"/>
-          </a:p>
-        </p:txBody>
-      </p:sp>
-      <p:sp>
-        <p:nvSpPr>
-          <p:cNvPr id="4" name="Footer Placeholder 3">
-            <a:extLst>
-              <a:ext uri="{FF2B5EF4-FFF2-40B4-BE49-F238E27FC236}">
-                <a16:creationId xmlns:a16="http://schemas.microsoft.com/office/drawing/2014/main" id="{511A40F0-9CD3-4FED-A671-E30CF74FDD65}"/>
-              </a:ext>
-            </a:extLst>
-          </p:cNvPr>
-          <p:cNvSpPr>
-            <a:spLocks noGrp="1"/>
-          </p:cNvSpPr>
-          <p:nvPr>
-            <p:ph type="ftr" sz="quarter" idx="11"/>
-          </p:nvPr>
-        </p:nvSpPr>
-        <p:spPr/>
-        <p:txBody>
-          <a:bodyPr/>
-          <a:lstStyle/>
-          <a:p>
-            <a:endParaRPr lang="en-US"/>
-          </a:p>
-        </p:txBody>
-      </p:sp>
-    </p:spTree>
-    <p:extLst>
-      <p:ext uri="{BB962C8B-B14F-4D97-AF65-F5344CB8AC3E}">
-        <p14:creationId xmlns:p14="http://schemas.microsoft.com/office/powerpoint/2010/main" val="1741601071"/>
-      </p:ext>
-    </p:extLst>
-  </p:cSld>
-  <p:clrMapOvr>
-    <a:masterClrMapping/>
-  </p:clrMapOvr>
-</p:sld>
-</file>
-
-<file path=ppt/slides/slide13.xml><?xml version="1.0" encoding="utf-8"?>
-<p:sld xmlns:a="http://schemas.openxmlformats.org/drawingml/2006/main" xmlns:r="http://schemas.openxmlformats.org/officeDocument/2006/relationships" xmlns:p="http://schemas.openxmlformats.org/presentationml/2006/main">
-  <p:cSld>
-    <p:spTree>
-      <p:nvGrpSpPr>
-        <p:cNvPr id="1" name=""/>
-        <p:cNvGrpSpPr/>
-        <p:nvPr/>
-      </p:nvGrpSpPr>
-      <p:grpSpPr>
-        <a:xfrm>
-          <a:off x="0" y="0"/>
-          <a:ext cx="0" cy="0"/>
-          <a:chOff x="0" y="0"/>
-          <a:chExt cx="0" cy="0"/>
-        </a:xfrm>
-      </p:grpSpPr>
-      <p:sp>
-        <p:nvSpPr>
-          <p:cNvPr id="2" name="Title 1">
-            <a:extLst>
-              <a:ext uri="{FF2B5EF4-FFF2-40B4-BE49-F238E27FC236}">
-                <a16:creationId xmlns:a16="http://schemas.microsoft.com/office/drawing/2014/main" id="{0EFF8950-9C8B-41CD-BC95-9507D2DC9987}"/>
-              </a:ext>
-            </a:extLst>
-          </p:cNvPr>
-          <p:cNvSpPr>
-            <a:spLocks noGrp="1"/>
-          </p:cNvSpPr>
-          <p:nvPr>
-            <p:ph type="title"/>
-          </p:nvPr>
-        </p:nvSpPr>
-        <p:spPr/>
-        <p:txBody>
-          <a:bodyPr/>
-          <a:lstStyle/>
-          <a:p>
-            <a:r>
-              <a:rPr lang="en-US" dirty="0"/>
-              <a:t>Is it relevant to Bessemer</a:t>
+              <a:t>Is it relevant to Bessemer?</a:t>
             </a:r>
           </a:p>
         </p:txBody>
@@ -4340,13 +4138,7 @@
           <a:p>
             <a:r>
               <a:rPr lang="en-US" dirty="0"/>
-              <a:t>Possible future uses</a:t>
-            </a:r>
-          </a:p>
-          <a:p>
-            <a:r>
-              <a:rPr lang="en-US" dirty="0"/>
-              <a:t>Is it relevant to Bessemer</a:t>
+              <a:t>Is it relevant to Bessemer?</a:t>
             </a:r>
           </a:p>
         </p:txBody>
@@ -5431,12 +5223,20 @@
             <p:ph type="ftr" sz="quarter" idx="11"/>
           </p:nvPr>
         </p:nvSpPr>
-        <p:spPr/>
-        <p:txBody>
-          <a:bodyPr/>
-          <a:lstStyle/>
-          <a:p>
-            <a:endParaRPr lang="en-US"/>
+        <p:spPr>
+          <a:xfrm>
+            <a:off x="838199" y="6356350"/>
+            <a:ext cx="10328329" cy="365125"/>
+          </a:xfrm>
+        </p:spPr>
+        <p:txBody>
+          <a:bodyPr/>
+          <a:lstStyle/>
+          <a:p>
+            <a:r>
+              <a:rPr lang="en-US" dirty="0"/>
+              <a:t>https://www.consultancy.uk/news/25975/global-market-size-of-digital-payments-industry-soares</a:t>
+            </a:r>
           </a:p>
         </p:txBody>
       </p:sp>
@@ -5873,7 +5673,7 @@
           <p:cNvPr id="2" name="Title 1">
             <a:extLst>
               <a:ext uri="{FF2B5EF4-FFF2-40B4-BE49-F238E27FC236}">
-                <a16:creationId xmlns:a16="http://schemas.microsoft.com/office/drawing/2014/main" id="{5C64B2C0-9825-48CA-B0E3-8BAB8377E75B}"/>
+                <a16:creationId xmlns:a16="http://schemas.microsoft.com/office/drawing/2014/main" id="{2F8CA95A-2352-4C3C-BB2F-0AF30A641769}"/>
               </a:ext>
             </a:extLst>
           </p:cNvPr>
@@ -5891,7 +5691,7 @@
           <a:p>
             <a:r>
               <a:rPr lang="en-US" dirty="0"/>
-              <a:t>Problems that we want to solve</a:t>
+              <a:t>General concept of Blockchain</a:t>
             </a:r>
           </a:p>
         </p:txBody>
@@ -5901,7 +5701,7 @@
           <p:cNvPr id="3" name="Content Placeholder 2">
             <a:extLst>
               <a:ext uri="{FF2B5EF4-FFF2-40B4-BE49-F238E27FC236}">
-                <a16:creationId xmlns:a16="http://schemas.microsoft.com/office/drawing/2014/main" id="{E8EACC5E-F238-4A48-AFA2-1211B4267669}"/>
+                <a16:creationId xmlns:a16="http://schemas.microsoft.com/office/drawing/2014/main" id="{86A14F35-5599-4413-9392-55743DACF57D}"/>
               </a:ext>
             </a:extLst>
           </p:cNvPr>
@@ -5910,266 +5710,59 @@
           </p:cNvSpPr>
           <p:nvPr>
             <p:ph idx="1"/>
+          </p:nvPr>
+        </p:nvSpPr>
+        <p:spPr/>
+        <p:txBody>
+          <a:bodyPr/>
+          <a:lstStyle/>
+          <a:p>
+            <a:r>
+              <a:rPr lang="en-US" dirty="0"/>
+              <a:t>Blockchain is a type of Distributed Ledger Technology</a:t>
+            </a:r>
+          </a:p>
+        </p:txBody>
+      </p:sp>
+      <p:sp>
+        <p:nvSpPr>
+          <p:cNvPr id="4" name="Footer Placeholder 3">
+            <a:extLst>
+              <a:ext uri="{FF2B5EF4-FFF2-40B4-BE49-F238E27FC236}">
+                <a16:creationId xmlns:a16="http://schemas.microsoft.com/office/drawing/2014/main" id="{EFF3A170-42A2-4531-9696-ED1A545EFE91}"/>
+              </a:ext>
+            </a:extLst>
+          </p:cNvPr>
+          <p:cNvSpPr>
+            <a:spLocks noGrp="1"/>
+          </p:cNvSpPr>
+          <p:nvPr>
+            <p:ph type="ftr" sz="quarter" idx="11"/>
           </p:nvPr>
         </p:nvSpPr>
         <p:spPr>
           <a:xfrm>
-            <a:off x="838200" y="1444487"/>
-            <a:ext cx="10769600" cy="4731026"/>
+            <a:off x="449451" y="6356350"/>
+            <a:ext cx="11251769" cy="365125"/>
           </a:xfrm>
         </p:spPr>
         <p:txBody>
           <a:bodyPr/>
           <a:lstStyle/>
           <a:p>
-            <a:pPr marL="0" indent="0" algn="ctr">
-              <a:buNone/>
-            </a:pPr>
             <a:r>
               <a:rPr lang="en-US" dirty="0"/>
-              <a:t>Intermediaries</a:t>
-            </a:r>
-          </a:p>
-          <a:p>
-            <a:endParaRPr lang="en-US" dirty="0"/>
-          </a:p>
-        </p:txBody>
-      </p:sp>
-      <p:sp>
-        <p:nvSpPr>
-          <p:cNvPr id="6" name="Content Placeholder 2">
-            <a:extLst>
-              <a:ext uri="{FF2B5EF4-FFF2-40B4-BE49-F238E27FC236}">
-                <a16:creationId xmlns:a16="http://schemas.microsoft.com/office/drawing/2014/main" id="{BAC6A42E-3B31-4214-900B-2DA73544B4E3}"/>
-              </a:ext>
-            </a:extLst>
-          </p:cNvPr>
-          <p:cNvSpPr txBox="1">
-            <a:spLocks/>
-          </p:cNvSpPr>
-          <p:nvPr/>
-        </p:nvSpPr>
-        <p:spPr>
-          <a:xfrm>
-            <a:off x="1092200" y="5385594"/>
-            <a:ext cx="10515600" cy="596900"/>
-          </a:xfrm>
-          <a:prstGeom prst="rect">
-            <a:avLst/>
-          </a:prstGeom>
-        </p:spPr>
-        <p:txBody>
-          <a:bodyPr vert="horz" lIns="91440" tIns="45720" rIns="91440" bIns="45720" rtlCol="0">
-            <a:normAutofit/>
-          </a:bodyPr>
-          <a:lstStyle>
-            <a:lvl1pPr marL="228600" indent="-228600" algn="l" defTabSz="914400" rtl="0" eaLnBrk="1" latinLnBrk="0" hangingPunct="1">
-              <a:lnSpc>
-                <a:spcPct val="90000"/>
-              </a:lnSpc>
-              <a:spcBef>
-                <a:spcPts val="1000"/>
-              </a:spcBef>
-              <a:buFont typeface="Arial" panose="020B0604020202020204" pitchFamily="34" charset="0"/>
-              <a:buChar char="•"/>
-              <a:defRPr sz="2800" kern="1200">
-                <a:solidFill>
-                  <a:schemeClr val="tx1"/>
-                </a:solidFill>
-                <a:latin typeface="+mn-lt"/>
-                <a:ea typeface="+mn-ea"/>
-                <a:cs typeface="+mn-cs"/>
-              </a:defRPr>
-            </a:lvl1pPr>
-            <a:lvl2pPr marL="685800" indent="-228600" algn="l" defTabSz="914400" rtl="0" eaLnBrk="1" latinLnBrk="0" hangingPunct="1">
-              <a:lnSpc>
-                <a:spcPct val="90000"/>
-              </a:lnSpc>
-              <a:spcBef>
-                <a:spcPts val="500"/>
-              </a:spcBef>
-              <a:buFont typeface="Arial" panose="020B0604020202020204" pitchFamily="34" charset="0"/>
-              <a:buChar char="•"/>
-              <a:defRPr sz="2400" kern="1200">
-                <a:solidFill>
-                  <a:schemeClr val="tx1"/>
-                </a:solidFill>
-                <a:latin typeface="+mn-lt"/>
-                <a:ea typeface="+mn-ea"/>
-                <a:cs typeface="+mn-cs"/>
-              </a:defRPr>
-            </a:lvl2pPr>
-            <a:lvl3pPr marL="1143000" indent="-228600" algn="l" defTabSz="914400" rtl="0" eaLnBrk="1" latinLnBrk="0" hangingPunct="1">
-              <a:lnSpc>
-                <a:spcPct val="90000"/>
-              </a:lnSpc>
-              <a:spcBef>
-                <a:spcPts val="500"/>
-              </a:spcBef>
-              <a:buFont typeface="Arial" panose="020B0604020202020204" pitchFamily="34" charset="0"/>
-              <a:buChar char="•"/>
-              <a:defRPr sz="2000" kern="1200">
-                <a:solidFill>
-                  <a:schemeClr val="tx1"/>
-                </a:solidFill>
-                <a:latin typeface="+mn-lt"/>
-                <a:ea typeface="+mn-ea"/>
-                <a:cs typeface="+mn-cs"/>
-              </a:defRPr>
-            </a:lvl3pPr>
-            <a:lvl4pPr marL="1600200" indent="-228600" algn="l" defTabSz="914400" rtl="0" eaLnBrk="1" latinLnBrk="0" hangingPunct="1">
-              <a:lnSpc>
-                <a:spcPct val="90000"/>
-              </a:lnSpc>
-              <a:spcBef>
-                <a:spcPts val="500"/>
-              </a:spcBef>
-              <a:buFont typeface="Arial" panose="020B0604020202020204" pitchFamily="34" charset="0"/>
-              <a:buChar char="•"/>
-              <a:defRPr sz="1800" kern="1200">
-                <a:solidFill>
-                  <a:schemeClr val="tx1"/>
-                </a:solidFill>
-                <a:latin typeface="+mn-lt"/>
-                <a:ea typeface="+mn-ea"/>
-                <a:cs typeface="+mn-cs"/>
-              </a:defRPr>
-            </a:lvl4pPr>
-            <a:lvl5pPr marL="2057400" indent="-228600" algn="l" defTabSz="914400" rtl="0" eaLnBrk="1" latinLnBrk="0" hangingPunct="1">
-              <a:lnSpc>
-                <a:spcPct val="90000"/>
-              </a:lnSpc>
-              <a:spcBef>
-                <a:spcPts val="500"/>
-              </a:spcBef>
-              <a:buFont typeface="Arial" panose="020B0604020202020204" pitchFamily="34" charset="0"/>
-              <a:buChar char="•"/>
-              <a:defRPr sz="1800" kern="1200">
-                <a:solidFill>
-                  <a:schemeClr val="tx1"/>
-                </a:solidFill>
-                <a:latin typeface="+mn-lt"/>
-                <a:ea typeface="+mn-ea"/>
-                <a:cs typeface="+mn-cs"/>
-              </a:defRPr>
-            </a:lvl5pPr>
-            <a:lvl6pPr marL="2514600" indent="-228600" algn="l" defTabSz="914400" rtl="0" eaLnBrk="1" latinLnBrk="0" hangingPunct="1">
-              <a:lnSpc>
-                <a:spcPct val="90000"/>
-              </a:lnSpc>
-              <a:spcBef>
-                <a:spcPts val="500"/>
-              </a:spcBef>
-              <a:buFont typeface="Arial" panose="020B0604020202020204" pitchFamily="34" charset="0"/>
-              <a:buChar char="•"/>
-              <a:defRPr sz="1800" kern="1200">
-                <a:solidFill>
-                  <a:schemeClr val="tx1"/>
-                </a:solidFill>
-                <a:latin typeface="+mn-lt"/>
-                <a:ea typeface="+mn-ea"/>
-                <a:cs typeface="+mn-cs"/>
-              </a:defRPr>
-            </a:lvl6pPr>
-            <a:lvl7pPr marL="2971800" indent="-228600" algn="l" defTabSz="914400" rtl="0" eaLnBrk="1" latinLnBrk="0" hangingPunct="1">
-              <a:lnSpc>
-                <a:spcPct val="90000"/>
-              </a:lnSpc>
-              <a:spcBef>
-                <a:spcPts val="500"/>
-              </a:spcBef>
-              <a:buFont typeface="Arial" panose="020B0604020202020204" pitchFamily="34" charset="0"/>
-              <a:buChar char="•"/>
-              <a:defRPr sz="1800" kern="1200">
-                <a:solidFill>
-                  <a:schemeClr val="tx1"/>
-                </a:solidFill>
-                <a:latin typeface="+mn-lt"/>
-                <a:ea typeface="+mn-ea"/>
-                <a:cs typeface="+mn-cs"/>
-              </a:defRPr>
-            </a:lvl7pPr>
-            <a:lvl8pPr marL="3429000" indent="-228600" algn="l" defTabSz="914400" rtl="0" eaLnBrk="1" latinLnBrk="0" hangingPunct="1">
-              <a:lnSpc>
-                <a:spcPct val="90000"/>
-              </a:lnSpc>
-              <a:spcBef>
-                <a:spcPts val="500"/>
-              </a:spcBef>
-              <a:buFont typeface="Arial" panose="020B0604020202020204" pitchFamily="34" charset="0"/>
-              <a:buChar char="•"/>
-              <a:defRPr sz="1800" kern="1200">
-                <a:solidFill>
-                  <a:schemeClr val="tx1"/>
-                </a:solidFill>
-                <a:latin typeface="+mn-lt"/>
-                <a:ea typeface="+mn-ea"/>
-                <a:cs typeface="+mn-cs"/>
-              </a:defRPr>
-            </a:lvl8pPr>
-            <a:lvl9pPr marL="3886200" indent="-228600" algn="l" defTabSz="914400" rtl="0" eaLnBrk="1" latinLnBrk="0" hangingPunct="1">
-              <a:lnSpc>
-                <a:spcPct val="90000"/>
-              </a:lnSpc>
-              <a:spcBef>
-                <a:spcPts val="500"/>
-              </a:spcBef>
-              <a:buFont typeface="Arial" panose="020B0604020202020204" pitchFamily="34" charset="0"/>
-              <a:buChar char="•"/>
-              <a:defRPr sz="1800" kern="1200">
-                <a:solidFill>
-                  <a:schemeClr val="tx1"/>
-                </a:solidFill>
-                <a:latin typeface="+mn-lt"/>
-                <a:ea typeface="+mn-ea"/>
-                <a:cs typeface="+mn-cs"/>
-              </a:defRPr>
-            </a:lvl9pPr>
-          </a:lstStyle>
-          <a:p>
-            <a:endParaRPr lang="en-US" dirty="0"/>
-          </a:p>
-        </p:txBody>
-      </p:sp>
-      <p:sp>
-        <p:nvSpPr>
-          <p:cNvPr id="4" name="Footer Placeholder 3">
-            <a:extLst>
-              <a:ext uri="{FF2B5EF4-FFF2-40B4-BE49-F238E27FC236}">
-                <a16:creationId xmlns:a16="http://schemas.microsoft.com/office/drawing/2014/main" id="{955F9F9F-3846-43D3-B86C-EE9AFD5C095A}"/>
-              </a:ext>
-            </a:extLst>
-          </p:cNvPr>
-          <p:cNvSpPr>
-            <a:spLocks noGrp="1"/>
-          </p:cNvSpPr>
-          <p:nvPr>
-            <p:ph type="ftr" sz="quarter" idx="11"/>
-          </p:nvPr>
-        </p:nvSpPr>
-        <p:spPr>
-          <a:xfrm>
-            <a:off x="838200" y="6356350"/>
-            <a:ext cx="10769599" cy="365125"/>
-          </a:xfrm>
-        </p:spPr>
-        <p:txBody>
-          <a:bodyPr/>
-          <a:lstStyle/>
-          <a:p>
-            <a:r>
-              <a:rPr lang="en-US" dirty="0"/>
-              <a:t>https://www.bankofengland.co.uk/knowledgebank/how-do-card-payments-work</a:t>
+              <a:t>https://www.euromoney.com/learning/blockchain-explained/what-is-blockchain</a:t>
             </a:r>
           </a:p>
         </p:txBody>
       </p:sp>
       <p:pic>
         <p:nvPicPr>
-          <p:cNvPr id="7" name="Picture 6">
-            <a:extLst>
-              <a:ext uri="{FF2B5EF4-FFF2-40B4-BE49-F238E27FC236}">
-                <a16:creationId xmlns:a16="http://schemas.microsoft.com/office/drawing/2014/main" id="{85DD333C-708F-4241-A687-1B848ACBFCDE}"/>
+          <p:cNvPr id="6" name="Picture 5">
+            <a:extLst>
+              <a:ext uri="{FF2B5EF4-FFF2-40B4-BE49-F238E27FC236}">
+                <a16:creationId xmlns:a16="http://schemas.microsoft.com/office/drawing/2014/main" id="{EBAD2DA8-7E8C-4B26-8951-72846578A0AE}"/>
               </a:ext>
             </a:extLst>
           </p:cNvPr>
@@ -6192,8 +5785,8 @@
         </p:blipFill>
         <p:spPr>
           <a:xfrm>
-            <a:off x="3966984" y="2041696"/>
-            <a:ext cx="4766031" cy="4224235"/>
+            <a:off x="3022169" y="2225621"/>
+            <a:ext cx="5951349" cy="3719593"/>
           </a:xfrm>
           <a:prstGeom prst="rect">
             <a:avLst/>
@@ -6203,7 +5796,7 @@
     </p:spTree>
     <p:extLst>
       <p:ext uri="{BB962C8B-B14F-4D97-AF65-F5344CB8AC3E}">
-        <p14:creationId xmlns:p14="http://schemas.microsoft.com/office/powerpoint/2010/main" val="76064110"/>
+        <p14:creationId xmlns:p14="http://schemas.microsoft.com/office/powerpoint/2010/main" val="3561977040"/>
       </p:ext>
     </p:extLst>
   </p:cSld>
@@ -6235,7 +5828,7 @@
           <p:cNvPr id="2" name="Title 1">
             <a:extLst>
               <a:ext uri="{FF2B5EF4-FFF2-40B4-BE49-F238E27FC236}">
-                <a16:creationId xmlns:a16="http://schemas.microsoft.com/office/drawing/2014/main" id="{2F8CA95A-2352-4C3C-BB2F-0AF30A641769}"/>
+                <a16:creationId xmlns:a16="http://schemas.microsoft.com/office/drawing/2014/main" id="{EA6E844E-72F3-40C2-9FE7-1F4910ADD0F3}"/>
               </a:ext>
             </a:extLst>
           </p:cNvPr>
@@ -6253,42 +5846,52 @@
           <a:p>
             <a:r>
               <a:rPr lang="en-US" dirty="0"/>
-              <a:t>General concept of Blockchain</a:t>
-            </a:r>
-          </a:p>
-        </p:txBody>
-      </p:sp>
-      <p:sp>
-        <p:nvSpPr>
-          <p:cNvPr id="3" name="Content Placeholder 2">
-            <a:extLst>
-              <a:ext uri="{FF2B5EF4-FFF2-40B4-BE49-F238E27FC236}">
-                <a16:creationId xmlns:a16="http://schemas.microsoft.com/office/drawing/2014/main" id="{86A14F35-5599-4413-9392-55743DACF57D}"/>
-              </a:ext>
-            </a:extLst>
-          </p:cNvPr>
-          <p:cNvSpPr>
-            <a:spLocks noGrp="1"/>
-          </p:cNvSpPr>
+              <a:t>Overview of How it is implemented</a:t>
+            </a:r>
+          </a:p>
+        </p:txBody>
+      </p:sp>
+      <p:pic>
+        <p:nvPicPr>
+          <p:cNvPr id="6" name="Content Placeholder 5">
+            <a:extLst>
+              <a:ext uri="{FF2B5EF4-FFF2-40B4-BE49-F238E27FC236}">
+                <a16:creationId xmlns:a16="http://schemas.microsoft.com/office/drawing/2014/main" id="{54D98C3F-841F-4700-B550-D4E92B2AB7C1}"/>
+              </a:ext>
+            </a:extLst>
+          </p:cNvPr>
+          <p:cNvPicPr>
+            <a:picLocks noGrp="1" noChangeAspect="1"/>
+          </p:cNvPicPr>
           <p:nvPr>
             <p:ph idx="1"/>
           </p:nvPr>
-        </p:nvSpPr>
-        <p:spPr/>
-        <p:txBody>
-          <a:bodyPr/>
-          <a:lstStyle/>
-          <a:p>
-            <a:endParaRPr lang="en-US" dirty="0"/>
-          </a:p>
-        </p:txBody>
-      </p:sp>
+        </p:nvPicPr>
+        <p:blipFill>
+          <a:blip r:embed="rId2">
+            <a:extLst>
+              <a:ext uri="{28A0092B-C50C-407E-A947-70E740481C1C}">
+                <a14:useLocalDpi xmlns:a14="http://schemas.microsoft.com/office/drawing/2010/main" val="0"/>
+              </a:ext>
+            </a:extLst>
+          </a:blip>
+          <a:stretch>
+            <a:fillRect/>
+          </a:stretch>
+        </p:blipFill>
+        <p:spPr>
+          <a:xfrm>
+            <a:off x="2157729" y="1321930"/>
+            <a:ext cx="7745687" cy="4841055"/>
+          </a:xfrm>
+        </p:spPr>
+      </p:pic>
       <p:sp>
         <p:nvSpPr>
           <p:cNvPr id="4" name="Footer Placeholder 3">
             <a:extLst>
               <a:ext uri="{FF2B5EF4-FFF2-40B4-BE49-F238E27FC236}">
-                <a16:creationId xmlns:a16="http://schemas.microsoft.com/office/drawing/2014/main" id="{EFF3A170-42A2-4531-9696-ED1A545EFE91}"/>
+                <a16:creationId xmlns:a16="http://schemas.microsoft.com/office/drawing/2014/main" id="{46FEF78B-3EC7-43E6-98F1-166C2FDC1858}"/>
               </a:ext>
             </a:extLst>
           </p:cNvPr>
@@ -6299,19 +5902,27 @@
             <p:ph type="ftr" sz="quarter" idx="11"/>
           </p:nvPr>
         </p:nvSpPr>
-        <p:spPr/>
-        <p:txBody>
-          <a:bodyPr/>
-          <a:lstStyle/>
-          <a:p>
-            <a:endParaRPr lang="en-US"/>
+        <p:spPr>
+          <a:xfrm>
+            <a:off x="643179" y="6356350"/>
+            <a:ext cx="10957301" cy="365125"/>
+          </a:xfrm>
+        </p:spPr>
+        <p:txBody>
+          <a:bodyPr/>
+          <a:lstStyle/>
+          <a:p>
+            <a:r>
+              <a:rPr lang="en-US" dirty="0"/>
+              <a:t>https://www.euromoney.com/learning/blockchain-explained/how-transactions-get-into-the-blockchain</a:t>
+            </a:r>
           </a:p>
         </p:txBody>
       </p:sp>
     </p:spTree>
     <p:extLst>
       <p:ext uri="{BB962C8B-B14F-4D97-AF65-F5344CB8AC3E}">
-        <p14:creationId xmlns:p14="http://schemas.microsoft.com/office/powerpoint/2010/main" val="3561977040"/>
+        <p14:creationId xmlns:p14="http://schemas.microsoft.com/office/powerpoint/2010/main" val="3249715916"/>
       </p:ext>
     </p:extLst>
   </p:cSld>
@@ -6343,7 +5954,7 @@
           <p:cNvPr id="2" name="Title 1">
             <a:extLst>
               <a:ext uri="{FF2B5EF4-FFF2-40B4-BE49-F238E27FC236}">
-                <a16:creationId xmlns:a16="http://schemas.microsoft.com/office/drawing/2014/main" id="{EA6E844E-72F3-40C2-9FE7-1F4910ADD0F3}"/>
+                <a16:creationId xmlns:a16="http://schemas.microsoft.com/office/drawing/2014/main" id="{22BB3B10-4BAF-46CC-9BB9-A2E8E40015E1}"/>
               </a:ext>
             </a:extLst>
           </p:cNvPr>
@@ -6361,48 +5972,52 @@
           <a:p>
             <a:r>
               <a:rPr lang="en-US" dirty="0"/>
-              <a:t>Overview of How it is implemented</a:t>
-            </a:r>
-          </a:p>
-        </p:txBody>
-      </p:sp>
-      <p:sp>
-        <p:nvSpPr>
-          <p:cNvPr id="3" name="Content Placeholder 2">
-            <a:extLst>
-              <a:ext uri="{FF2B5EF4-FFF2-40B4-BE49-F238E27FC236}">
-                <a16:creationId xmlns:a16="http://schemas.microsoft.com/office/drawing/2014/main" id="{1C8F8349-9B7A-41B1-8812-96A58D7C0888}"/>
-              </a:ext>
-            </a:extLst>
-          </p:cNvPr>
-          <p:cNvSpPr>
-            <a:spLocks noGrp="1"/>
-          </p:cNvSpPr>
+              <a:t>Common uses of Blockchain</a:t>
+            </a:r>
+          </a:p>
+        </p:txBody>
+      </p:sp>
+      <p:pic>
+        <p:nvPicPr>
+          <p:cNvPr id="6" name="Content Placeholder 5">
+            <a:extLst>
+              <a:ext uri="{FF2B5EF4-FFF2-40B4-BE49-F238E27FC236}">
+                <a16:creationId xmlns:a16="http://schemas.microsoft.com/office/drawing/2014/main" id="{A201E896-A809-4E39-9BC2-BBC535CA3F82}"/>
+              </a:ext>
+            </a:extLst>
+          </p:cNvPr>
+          <p:cNvPicPr>
+            <a:picLocks noGrp="1" noChangeAspect="1"/>
+          </p:cNvPicPr>
           <p:nvPr>
             <p:ph idx="1"/>
           </p:nvPr>
-        </p:nvSpPr>
-        <p:spPr/>
-        <p:txBody>
-          <a:bodyPr/>
-          <a:lstStyle/>
-          <a:p>
-            <a:r>
-              <a:rPr lang="en-US"/>
-              <a:t>Decentralized environment </a:t>
-            </a:r>
-          </a:p>
-          <a:p>
-            <a:endParaRPr lang="en-US"/>
-          </a:p>
-        </p:txBody>
-      </p:sp>
+        </p:nvPicPr>
+        <p:blipFill>
+          <a:blip r:embed="rId2">
+            <a:extLst>
+              <a:ext uri="{28A0092B-C50C-407E-A947-70E740481C1C}">
+                <a14:useLocalDpi xmlns:a14="http://schemas.microsoft.com/office/drawing/2010/main" val="0"/>
+              </a:ext>
+            </a:extLst>
+          </a:blip>
+          <a:stretch>
+            <a:fillRect/>
+          </a:stretch>
+        </p:blipFill>
+        <p:spPr>
+          <a:xfrm>
+            <a:off x="2214779" y="1507909"/>
+            <a:ext cx="7316679" cy="4586831"/>
+          </a:xfrm>
+        </p:spPr>
+      </p:pic>
       <p:sp>
         <p:nvSpPr>
           <p:cNvPr id="4" name="Footer Placeholder 3">
             <a:extLst>
               <a:ext uri="{FF2B5EF4-FFF2-40B4-BE49-F238E27FC236}">
-                <a16:creationId xmlns:a16="http://schemas.microsoft.com/office/drawing/2014/main" id="{46FEF78B-3EC7-43E6-98F1-166C2FDC1858}"/>
+                <a16:creationId xmlns:a16="http://schemas.microsoft.com/office/drawing/2014/main" id="{DA16B56A-B112-4B21-9AB3-AB001ED2DACE}"/>
               </a:ext>
             </a:extLst>
           </p:cNvPr>
@@ -6413,19 +6028,27 @@
             <p:ph type="ftr" sz="quarter" idx="11"/>
           </p:nvPr>
         </p:nvSpPr>
-        <p:spPr/>
-        <p:txBody>
-          <a:bodyPr/>
-          <a:lstStyle/>
-          <a:p>
-            <a:endParaRPr lang="en-US"/>
+        <p:spPr>
+          <a:xfrm>
+            <a:off x="836721" y="6356350"/>
+            <a:ext cx="10515600" cy="365125"/>
+          </a:xfrm>
+        </p:spPr>
+        <p:txBody>
+          <a:bodyPr/>
+          <a:lstStyle/>
+          <a:p>
+            <a:r>
+              <a:rPr lang="en-US" dirty="0"/>
+              <a:t>https://medium.com/practical-blockchain/use-cases-of-blockchain-tech-application-13a940edf6fb</a:t>
+            </a:r>
           </a:p>
         </p:txBody>
       </p:sp>
     </p:spTree>
     <p:extLst>
       <p:ext uri="{BB962C8B-B14F-4D97-AF65-F5344CB8AC3E}">
-        <p14:creationId xmlns:p14="http://schemas.microsoft.com/office/powerpoint/2010/main" val="3249715916"/>
+        <p14:creationId xmlns:p14="http://schemas.microsoft.com/office/powerpoint/2010/main" val="3012064447"/>
       </p:ext>
     </p:extLst>
   </p:cSld>

--- a/The Future of Blockchain.pptx
+++ b/The Future of Blockchain.pptx
@@ -5,7 +5,7 @@
     <p:sldMasterId id="2147483648" r:id="rId1"/>
   </p:sldMasterIdLst>
   <p:notesMasterIdLst>
-    <p:notesMasterId r:id="rId13"/>
+    <p:notesMasterId r:id="rId15"/>
   </p:notesMasterIdLst>
   <p:sldIdLst>
     <p:sldId id="256" r:id="rId2"/>
@@ -19,6 +19,8 @@
     <p:sldId id="261" r:id="rId10"/>
     <p:sldId id="262" r:id="rId11"/>
     <p:sldId id="264" r:id="rId12"/>
+    <p:sldId id="268" r:id="rId13"/>
+    <p:sldId id="269" r:id="rId14"/>
   </p:sldIdLst>
   <p:sldSz cx="12192000" cy="6858000"/>
   <p:notesSz cx="6858000" cy="9144000"/>
@@ -137,6 +139,8 @@
             <p14:sldId id="261"/>
             <p14:sldId id="262"/>
             <p14:sldId id="264"/>
+            <p14:sldId id="268"/>
+            <p14:sldId id="269"/>
           </p14:sldIdLst>
         </p14:section>
       </p14:sectionLst>
@@ -230,7 +234,7 @@
           <a:p>
             <a:fld id="{F454D6B2-E810-4A64-9BA8-55BC563FD3C6}" type="datetimeFigureOut">
               <a:rPr lang="en-US" smtClean="0"/>
-              <a:t>4/20/2022</a:t>
+              <a:t>4/21/2022</a:t>
             </a:fld>
             <a:endParaRPr lang="en-US"/>
           </a:p>
@@ -644,7 +648,7 @@
           <a:p>
             <a:fld id="{4F8EDF7F-3C73-4429-B464-79D52963A752}" type="datetime1">
               <a:rPr lang="en-US" smtClean="0"/>
-              <a:t>4/20/2022</a:t>
+              <a:t>4/21/2022</a:t>
             </a:fld>
             <a:endParaRPr lang="en-US"/>
           </a:p>
@@ -842,7 +846,7 @@
           <a:p>
             <a:fld id="{EE035E90-96D2-40CA-9D8B-9E9465D75337}" type="datetime1">
               <a:rPr lang="en-US" smtClean="0"/>
-              <a:t>4/20/2022</a:t>
+              <a:t>4/21/2022</a:t>
             </a:fld>
             <a:endParaRPr lang="en-US"/>
           </a:p>
@@ -1050,7 +1054,7 @@
           <a:p>
             <a:fld id="{5C5DB4C3-0EF1-4435-B19E-AA9670EC8C3B}" type="datetime1">
               <a:rPr lang="en-US" smtClean="0"/>
-              <a:t>4/20/2022</a:t>
+              <a:t>4/21/2022</a:t>
             </a:fld>
             <a:endParaRPr lang="en-US"/>
           </a:p>
@@ -1248,7 +1252,7 @@
           <a:p>
             <a:fld id="{1477705E-35F6-417F-8841-D90D9E346D4B}" type="datetime1">
               <a:rPr lang="en-US" smtClean="0"/>
-              <a:t>4/20/2022</a:t>
+              <a:t>4/21/2022</a:t>
             </a:fld>
             <a:endParaRPr lang="en-US"/>
           </a:p>
@@ -1523,7 +1527,7 @@
           <a:p>
             <a:fld id="{66B2BD42-3099-45BB-8076-FE7AF5B78CA6}" type="datetime1">
               <a:rPr lang="en-US" smtClean="0"/>
-              <a:t>4/20/2022</a:t>
+              <a:t>4/21/2022</a:t>
             </a:fld>
             <a:endParaRPr lang="en-US"/>
           </a:p>
@@ -1788,7 +1792,7 @@
           <a:p>
             <a:fld id="{36E2F4DA-F9C8-4357-8FAD-49ADC378FC2A}" type="datetime1">
               <a:rPr lang="en-US" smtClean="0"/>
-              <a:t>4/20/2022</a:t>
+              <a:t>4/21/2022</a:t>
             </a:fld>
             <a:endParaRPr lang="en-US"/>
           </a:p>
@@ -2200,7 +2204,7 @@
           <a:p>
             <a:fld id="{2BE090A4-E75F-43ED-8F86-52E099C428B0}" type="datetime1">
               <a:rPr lang="en-US" smtClean="0"/>
-              <a:t>4/20/2022</a:t>
+              <a:t>4/21/2022</a:t>
             </a:fld>
             <a:endParaRPr lang="en-US"/>
           </a:p>
@@ -2341,7 +2345,7 @@
           <a:p>
             <a:fld id="{1BB3AA94-7768-466F-AFE5-AC0867708B21}" type="datetime1">
               <a:rPr lang="en-US" smtClean="0"/>
-              <a:t>4/20/2022</a:t>
+              <a:t>4/21/2022</a:t>
             </a:fld>
             <a:endParaRPr lang="en-US"/>
           </a:p>
@@ -2454,7 +2458,7 @@
           <a:p>
             <a:fld id="{E75AC77C-7F72-4E0B-A755-36BF25B93E9C}" type="datetime1">
               <a:rPr lang="en-US" smtClean="0"/>
-              <a:t>4/20/2022</a:t>
+              <a:t>4/21/2022</a:t>
             </a:fld>
             <a:endParaRPr lang="en-US"/>
           </a:p>
@@ -2765,7 +2769,7 @@
           <a:p>
             <a:fld id="{A62DE8C4-7B44-4195-A968-F147A766EF9D}" type="datetime1">
               <a:rPr lang="en-US" smtClean="0"/>
-              <a:t>4/20/2022</a:t>
+              <a:t>4/21/2022</a:t>
             </a:fld>
             <a:endParaRPr lang="en-US"/>
           </a:p>
@@ -3053,7 +3057,7 @@
           <a:p>
             <a:fld id="{E93109BB-C69E-4330-A092-CC926DC30BC2}" type="datetime1">
               <a:rPr lang="en-US" smtClean="0"/>
-              <a:t>4/20/2022</a:t>
+              <a:t>4/21/2022</a:t>
             </a:fld>
             <a:endParaRPr lang="en-US"/>
           </a:p>
@@ -3294,7 +3298,7 @@
           <a:p>
             <a:fld id="{3B0DC6D4-4E53-481A-86E5-1D77B4A868E9}" type="datetime1">
               <a:rPr lang="en-US" smtClean="0"/>
-              <a:t>4/20/2022</a:t>
+              <a:t>4/21/2022</a:t>
             </a:fld>
             <a:endParaRPr lang="en-US"/>
           </a:p>
@@ -3998,7 +4002,22 @@
           <a:bodyPr/>
           <a:lstStyle/>
           <a:p>
-            <a:endParaRPr lang="en-US" dirty="0"/>
+            <a:r>
+              <a:rPr lang="en-US" dirty="0"/>
+              <a:t>Can have local data on Client Advisor desktop for all the clients handled by them for easy offline access</a:t>
+            </a:r>
+          </a:p>
+          <a:p>
+            <a:r>
+              <a:rPr lang="en-US" dirty="0"/>
+              <a:t>May need to participate in public blockchain for settlement processing (Settlement using smart contracts – zero day settlement period)</a:t>
+            </a:r>
+          </a:p>
+          <a:p>
+            <a:r>
+              <a:rPr lang="en-US" dirty="0"/>
+              <a:t>May need to be aware of the crypto positions and/or digital assets of clients and actively participate in the legacy planning for smooth handover to next generations</a:t>
+            </a:r>
           </a:p>
         </p:txBody>
       </p:sp>
@@ -4031,6 +4050,714 @@
     <p:extLst>
       <p:ext uri="{BB962C8B-B14F-4D97-AF65-F5344CB8AC3E}">
         <p14:creationId xmlns:p14="http://schemas.microsoft.com/office/powerpoint/2010/main" val="1911645816"/>
+      </p:ext>
+    </p:extLst>
+  </p:cSld>
+  <p:clrMapOvr>
+    <a:masterClrMapping/>
+  </p:clrMapOvr>
+  <p:timing>
+    <p:tnLst>
+      <p:par>
+        <p:cTn id="1" dur="indefinite" restart="never" nodeType="tmRoot">
+          <p:childTnLst>
+            <p:seq concurrent="1" nextAc="seek">
+              <p:cTn id="2" dur="indefinite" nodeType="mainSeq">
+                <p:childTnLst>
+                  <p:par>
+                    <p:cTn id="3" fill="hold">
+                      <p:stCondLst>
+                        <p:cond delay="indefinite"/>
+                      </p:stCondLst>
+                      <p:childTnLst>
+                        <p:par>
+                          <p:cTn id="4" fill="hold">
+                            <p:stCondLst>
+                              <p:cond delay="0"/>
+                            </p:stCondLst>
+                            <p:childTnLst>
+                              <p:par>
+                                <p:cTn id="5" presetID="1" presetClass="entr" presetSubtype="0" fill="hold" grpId="0" nodeType="clickEffect">
+                                  <p:stCondLst>
+                                    <p:cond delay="0"/>
+                                  </p:stCondLst>
+                                  <p:childTnLst>
+                                    <p:set>
+                                      <p:cBhvr>
+                                        <p:cTn id="6" dur="1" fill="hold">
+                                          <p:stCondLst>
+                                            <p:cond delay="0"/>
+                                          </p:stCondLst>
+                                        </p:cTn>
+                                        <p:tgtEl>
+                                          <p:spTgt spid="3">
+                                            <p:txEl>
+                                              <p:pRg st="0" end="0"/>
+                                            </p:txEl>
+                                          </p:spTgt>
+                                        </p:tgtEl>
+                                        <p:attrNameLst>
+                                          <p:attrName>style.visibility</p:attrName>
+                                        </p:attrNameLst>
+                                      </p:cBhvr>
+                                      <p:to>
+                                        <p:strVal val="visible"/>
+                                      </p:to>
+                                    </p:set>
+                                  </p:childTnLst>
+                                </p:cTn>
+                              </p:par>
+                            </p:childTnLst>
+                          </p:cTn>
+                        </p:par>
+                      </p:childTnLst>
+                    </p:cTn>
+                  </p:par>
+                  <p:par>
+                    <p:cTn id="7" fill="hold">
+                      <p:stCondLst>
+                        <p:cond delay="indefinite"/>
+                      </p:stCondLst>
+                      <p:childTnLst>
+                        <p:par>
+                          <p:cTn id="8" fill="hold">
+                            <p:stCondLst>
+                              <p:cond delay="0"/>
+                            </p:stCondLst>
+                            <p:childTnLst>
+                              <p:par>
+                                <p:cTn id="9" presetID="1" presetClass="entr" presetSubtype="0" fill="hold" grpId="0" nodeType="clickEffect">
+                                  <p:stCondLst>
+                                    <p:cond delay="0"/>
+                                  </p:stCondLst>
+                                  <p:childTnLst>
+                                    <p:set>
+                                      <p:cBhvr>
+                                        <p:cTn id="10" dur="1" fill="hold">
+                                          <p:stCondLst>
+                                            <p:cond delay="0"/>
+                                          </p:stCondLst>
+                                        </p:cTn>
+                                        <p:tgtEl>
+                                          <p:spTgt spid="3">
+                                            <p:txEl>
+                                              <p:pRg st="1" end="1"/>
+                                            </p:txEl>
+                                          </p:spTgt>
+                                        </p:tgtEl>
+                                        <p:attrNameLst>
+                                          <p:attrName>style.visibility</p:attrName>
+                                        </p:attrNameLst>
+                                      </p:cBhvr>
+                                      <p:to>
+                                        <p:strVal val="visible"/>
+                                      </p:to>
+                                    </p:set>
+                                  </p:childTnLst>
+                                </p:cTn>
+                              </p:par>
+                            </p:childTnLst>
+                          </p:cTn>
+                        </p:par>
+                      </p:childTnLst>
+                    </p:cTn>
+                  </p:par>
+                  <p:par>
+                    <p:cTn id="11" fill="hold">
+                      <p:stCondLst>
+                        <p:cond delay="indefinite"/>
+                      </p:stCondLst>
+                      <p:childTnLst>
+                        <p:par>
+                          <p:cTn id="12" fill="hold">
+                            <p:stCondLst>
+                              <p:cond delay="0"/>
+                            </p:stCondLst>
+                            <p:childTnLst>
+                              <p:par>
+                                <p:cTn id="13" presetID="1" presetClass="entr" presetSubtype="0" fill="hold" grpId="0" nodeType="clickEffect">
+                                  <p:stCondLst>
+                                    <p:cond delay="0"/>
+                                  </p:stCondLst>
+                                  <p:childTnLst>
+                                    <p:set>
+                                      <p:cBhvr>
+                                        <p:cTn id="14" dur="1" fill="hold">
+                                          <p:stCondLst>
+                                            <p:cond delay="0"/>
+                                          </p:stCondLst>
+                                        </p:cTn>
+                                        <p:tgtEl>
+                                          <p:spTgt spid="3">
+                                            <p:txEl>
+                                              <p:pRg st="2" end="2"/>
+                                            </p:txEl>
+                                          </p:spTgt>
+                                        </p:tgtEl>
+                                        <p:attrNameLst>
+                                          <p:attrName>style.visibility</p:attrName>
+                                        </p:attrNameLst>
+                                      </p:cBhvr>
+                                      <p:to>
+                                        <p:strVal val="visible"/>
+                                      </p:to>
+                                    </p:set>
+                                  </p:childTnLst>
+                                </p:cTn>
+                              </p:par>
+                            </p:childTnLst>
+                          </p:cTn>
+                        </p:par>
+                      </p:childTnLst>
+                    </p:cTn>
+                  </p:par>
+                </p:childTnLst>
+              </p:cTn>
+              <p:prevCondLst>
+                <p:cond evt="onPrev" delay="0">
+                  <p:tgtEl>
+                    <p:sldTgt/>
+                  </p:tgtEl>
+                </p:cond>
+              </p:prevCondLst>
+              <p:nextCondLst>
+                <p:cond evt="onNext" delay="0">
+                  <p:tgtEl>
+                    <p:sldTgt/>
+                  </p:tgtEl>
+                </p:cond>
+              </p:nextCondLst>
+            </p:seq>
+          </p:childTnLst>
+        </p:cTn>
+      </p:par>
+    </p:tnLst>
+    <p:bldLst>
+      <p:bldP spid="3" grpId="0" build="p"/>
+    </p:bldLst>
+  </p:timing>
+</p:sld>
+</file>
+
+<file path=ppt/slides/slide12.xml><?xml version="1.0" encoding="utf-8"?>
+<p:sld xmlns:a="http://schemas.openxmlformats.org/drawingml/2006/main" xmlns:r="http://schemas.openxmlformats.org/officeDocument/2006/relationships" xmlns:p="http://schemas.openxmlformats.org/presentationml/2006/main">
+  <p:cSld>
+    <p:spTree>
+      <p:nvGrpSpPr>
+        <p:cNvPr id="1" name=""/>
+        <p:cNvGrpSpPr/>
+        <p:nvPr/>
+      </p:nvGrpSpPr>
+      <p:grpSpPr>
+        <a:xfrm>
+          <a:off x="0" y="0"/>
+          <a:ext cx="0" cy="0"/>
+          <a:chOff x="0" y="0"/>
+          <a:chExt cx="0" cy="0"/>
+        </a:xfrm>
+      </p:grpSpPr>
+      <p:sp>
+        <p:nvSpPr>
+          <p:cNvPr id="2" name="Title 1">
+            <a:extLst>
+              <a:ext uri="{FF2B5EF4-FFF2-40B4-BE49-F238E27FC236}">
+                <a16:creationId xmlns:a16="http://schemas.microsoft.com/office/drawing/2014/main" id="{0EFF8950-9C8B-41CD-BC95-9507D2DC9987}"/>
+              </a:ext>
+            </a:extLst>
+          </p:cNvPr>
+          <p:cNvSpPr>
+            <a:spLocks noGrp="1"/>
+          </p:cNvSpPr>
+          <p:nvPr>
+            <p:ph type="title"/>
+          </p:nvPr>
+        </p:nvSpPr>
+        <p:spPr/>
+        <p:txBody>
+          <a:bodyPr/>
+          <a:lstStyle/>
+          <a:p>
+            <a:r>
+              <a:rPr lang="en-US" dirty="0"/>
+              <a:t>Summary</a:t>
+            </a:r>
+          </a:p>
+        </p:txBody>
+      </p:sp>
+      <p:sp>
+        <p:nvSpPr>
+          <p:cNvPr id="3" name="Content Placeholder 2">
+            <a:extLst>
+              <a:ext uri="{FF2B5EF4-FFF2-40B4-BE49-F238E27FC236}">
+                <a16:creationId xmlns:a16="http://schemas.microsoft.com/office/drawing/2014/main" id="{2B45EB34-35F6-49BC-83EA-DACDC8F0F4D3}"/>
+              </a:ext>
+            </a:extLst>
+          </p:cNvPr>
+          <p:cNvSpPr>
+            <a:spLocks noGrp="1"/>
+          </p:cNvSpPr>
+          <p:nvPr>
+            <p:ph idx="1"/>
+          </p:nvPr>
+        </p:nvSpPr>
+        <p:spPr/>
+        <p:txBody>
+          <a:bodyPr/>
+          <a:lstStyle/>
+          <a:p>
+            <a:r>
+              <a:rPr lang="en-US" dirty="0"/>
+              <a:t>Relevant where</a:t>
+            </a:r>
+          </a:p>
+          <a:p>
+            <a:r>
+              <a:rPr lang="en-US" dirty="0"/>
+              <a:t>Need to distribute data (For safety, speed, volume)</a:t>
+            </a:r>
+          </a:p>
+          <a:p>
+            <a:r>
+              <a:rPr lang="en-US" dirty="0"/>
+              <a:t>Need to be certain about data quality (Every block is authenticated – hash functions)</a:t>
+            </a:r>
+          </a:p>
+          <a:p>
+            <a:r>
+              <a:rPr lang="en-US" dirty="0"/>
+              <a:t>Need to involve multiple parties in a transaction (Immutable, Time stamped, confirmation as soon as it happens)</a:t>
+            </a:r>
+          </a:p>
+          <a:p>
+            <a:r>
+              <a:rPr lang="en-US" dirty="0"/>
+              <a:t>Need to have confidential information storage (Cryptography)</a:t>
+            </a:r>
+          </a:p>
+        </p:txBody>
+      </p:sp>
+      <p:sp>
+        <p:nvSpPr>
+          <p:cNvPr id="4" name="Footer Placeholder 3">
+            <a:extLst>
+              <a:ext uri="{FF2B5EF4-FFF2-40B4-BE49-F238E27FC236}">
+                <a16:creationId xmlns:a16="http://schemas.microsoft.com/office/drawing/2014/main" id="{52581AFC-9C03-43DD-973E-50F3AEE5F271}"/>
+              </a:ext>
+            </a:extLst>
+          </p:cNvPr>
+          <p:cNvSpPr>
+            <a:spLocks noGrp="1"/>
+          </p:cNvSpPr>
+          <p:nvPr>
+            <p:ph type="ftr" sz="quarter" idx="11"/>
+          </p:nvPr>
+        </p:nvSpPr>
+        <p:spPr/>
+        <p:txBody>
+          <a:bodyPr/>
+          <a:lstStyle/>
+          <a:p>
+            <a:endParaRPr lang="en-US"/>
+          </a:p>
+        </p:txBody>
+      </p:sp>
+    </p:spTree>
+    <p:extLst>
+      <p:ext uri="{BB962C8B-B14F-4D97-AF65-F5344CB8AC3E}">
+        <p14:creationId xmlns:p14="http://schemas.microsoft.com/office/powerpoint/2010/main" val="3038794637"/>
+      </p:ext>
+    </p:extLst>
+  </p:cSld>
+  <p:clrMapOvr>
+    <a:masterClrMapping/>
+  </p:clrMapOvr>
+  <p:timing>
+    <p:tnLst>
+      <p:par>
+        <p:cTn id="1" dur="indefinite" restart="never" nodeType="tmRoot">
+          <p:childTnLst>
+            <p:seq concurrent="1" nextAc="seek">
+              <p:cTn id="2" dur="indefinite" nodeType="mainSeq">
+                <p:childTnLst>
+                  <p:par>
+                    <p:cTn id="3" fill="hold">
+                      <p:stCondLst>
+                        <p:cond delay="indefinite"/>
+                      </p:stCondLst>
+                      <p:childTnLst>
+                        <p:par>
+                          <p:cTn id="4" fill="hold">
+                            <p:stCondLst>
+                              <p:cond delay="0"/>
+                            </p:stCondLst>
+                            <p:childTnLst>
+                              <p:par>
+                                <p:cTn id="5" presetID="1" presetClass="entr" presetSubtype="0" fill="hold" grpId="0" nodeType="clickEffect">
+                                  <p:stCondLst>
+                                    <p:cond delay="0"/>
+                                  </p:stCondLst>
+                                  <p:childTnLst>
+                                    <p:set>
+                                      <p:cBhvr>
+                                        <p:cTn id="6" dur="1" fill="hold">
+                                          <p:stCondLst>
+                                            <p:cond delay="0"/>
+                                          </p:stCondLst>
+                                        </p:cTn>
+                                        <p:tgtEl>
+                                          <p:spTgt spid="3">
+                                            <p:txEl>
+                                              <p:pRg st="0" end="0"/>
+                                            </p:txEl>
+                                          </p:spTgt>
+                                        </p:tgtEl>
+                                        <p:attrNameLst>
+                                          <p:attrName>style.visibility</p:attrName>
+                                        </p:attrNameLst>
+                                      </p:cBhvr>
+                                      <p:to>
+                                        <p:strVal val="visible"/>
+                                      </p:to>
+                                    </p:set>
+                                  </p:childTnLst>
+                                </p:cTn>
+                              </p:par>
+                            </p:childTnLst>
+                          </p:cTn>
+                        </p:par>
+                      </p:childTnLst>
+                    </p:cTn>
+                  </p:par>
+                  <p:par>
+                    <p:cTn id="7" fill="hold">
+                      <p:stCondLst>
+                        <p:cond delay="indefinite"/>
+                      </p:stCondLst>
+                      <p:childTnLst>
+                        <p:par>
+                          <p:cTn id="8" fill="hold">
+                            <p:stCondLst>
+                              <p:cond delay="0"/>
+                            </p:stCondLst>
+                            <p:childTnLst>
+                              <p:par>
+                                <p:cTn id="9" presetID="1" presetClass="entr" presetSubtype="0" fill="hold" grpId="0" nodeType="clickEffect">
+                                  <p:stCondLst>
+                                    <p:cond delay="0"/>
+                                  </p:stCondLst>
+                                  <p:childTnLst>
+                                    <p:set>
+                                      <p:cBhvr>
+                                        <p:cTn id="10" dur="1" fill="hold">
+                                          <p:stCondLst>
+                                            <p:cond delay="0"/>
+                                          </p:stCondLst>
+                                        </p:cTn>
+                                        <p:tgtEl>
+                                          <p:spTgt spid="3">
+                                            <p:txEl>
+                                              <p:pRg st="1" end="1"/>
+                                            </p:txEl>
+                                          </p:spTgt>
+                                        </p:tgtEl>
+                                        <p:attrNameLst>
+                                          <p:attrName>style.visibility</p:attrName>
+                                        </p:attrNameLst>
+                                      </p:cBhvr>
+                                      <p:to>
+                                        <p:strVal val="visible"/>
+                                      </p:to>
+                                    </p:set>
+                                  </p:childTnLst>
+                                </p:cTn>
+                              </p:par>
+                            </p:childTnLst>
+                          </p:cTn>
+                        </p:par>
+                      </p:childTnLst>
+                    </p:cTn>
+                  </p:par>
+                  <p:par>
+                    <p:cTn id="11" fill="hold">
+                      <p:stCondLst>
+                        <p:cond delay="indefinite"/>
+                      </p:stCondLst>
+                      <p:childTnLst>
+                        <p:par>
+                          <p:cTn id="12" fill="hold">
+                            <p:stCondLst>
+                              <p:cond delay="0"/>
+                            </p:stCondLst>
+                            <p:childTnLst>
+                              <p:par>
+                                <p:cTn id="13" presetID="1" presetClass="entr" presetSubtype="0" fill="hold" grpId="0" nodeType="clickEffect">
+                                  <p:stCondLst>
+                                    <p:cond delay="0"/>
+                                  </p:stCondLst>
+                                  <p:childTnLst>
+                                    <p:set>
+                                      <p:cBhvr>
+                                        <p:cTn id="14" dur="1" fill="hold">
+                                          <p:stCondLst>
+                                            <p:cond delay="0"/>
+                                          </p:stCondLst>
+                                        </p:cTn>
+                                        <p:tgtEl>
+                                          <p:spTgt spid="3">
+                                            <p:txEl>
+                                              <p:pRg st="2" end="2"/>
+                                            </p:txEl>
+                                          </p:spTgt>
+                                        </p:tgtEl>
+                                        <p:attrNameLst>
+                                          <p:attrName>style.visibility</p:attrName>
+                                        </p:attrNameLst>
+                                      </p:cBhvr>
+                                      <p:to>
+                                        <p:strVal val="visible"/>
+                                      </p:to>
+                                    </p:set>
+                                  </p:childTnLst>
+                                </p:cTn>
+                              </p:par>
+                            </p:childTnLst>
+                          </p:cTn>
+                        </p:par>
+                      </p:childTnLst>
+                    </p:cTn>
+                  </p:par>
+                  <p:par>
+                    <p:cTn id="15" fill="hold">
+                      <p:stCondLst>
+                        <p:cond delay="indefinite"/>
+                      </p:stCondLst>
+                      <p:childTnLst>
+                        <p:par>
+                          <p:cTn id="16" fill="hold">
+                            <p:stCondLst>
+                              <p:cond delay="0"/>
+                            </p:stCondLst>
+                            <p:childTnLst>
+                              <p:par>
+                                <p:cTn id="17" presetID="1" presetClass="entr" presetSubtype="0" fill="hold" grpId="0" nodeType="clickEffect">
+                                  <p:stCondLst>
+                                    <p:cond delay="0"/>
+                                  </p:stCondLst>
+                                  <p:childTnLst>
+                                    <p:set>
+                                      <p:cBhvr>
+                                        <p:cTn id="18" dur="1" fill="hold">
+                                          <p:stCondLst>
+                                            <p:cond delay="0"/>
+                                          </p:stCondLst>
+                                        </p:cTn>
+                                        <p:tgtEl>
+                                          <p:spTgt spid="3">
+                                            <p:txEl>
+                                              <p:pRg st="3" end="3"/>
+                                            </p:txEl>
+                                          </p:spTgt>
+                                        </p:tgtEl>
+                                        <p:attrNameLst>
+                                          <p:attrName>style.visibility</p:attrName>
+                                        </p:attrNameLst>
+                                      </p:cBhvr>
+                                      <p:to>
+                                        <p:strVal val="visible"/>
+                                      </p:to>
+                                    </p:set>
+                                  </p:childTnLst>
+                                </p:cTn>
+                              </p:par>
+                            </p:childTnLst>
+                          </p:cTn>
+                        </p:par>
+                      </p:childTnLst>
+                    </p:cTn>
+                  </p:par>
+                  <p:par>
+                    <p:cTn id="19" fill="hold">
+                      <p:stCondLst>
+                        <p:cond delay="indefinite"/>
+                      </p:stCondLst>
+                      <p:childTnLst>
+                        <p:par>
+                          <p:cTn id="20" fill="hold">
+                            <p:stCondLst>
+                              <p:cond delay="0"/>
+                            </p:stCondLst>
+                            <p:childTnLst>
+                              <p:par>
+                                <p:cTn id="21" presetID="1" presetClass="entr" presetSubtype="0" fill="hold" grpId="0" nodeType="clickEffect">
+                                  <p:stCondLst>
+                                    <p:cond delay="0"/>
+                                  </p:stCondLst>
+                                  <p:childTnLst>
+                                    <p:set>
+                                      <p:cBhvr>
+                                        <p:cTn id="22" dur="1" fill="hold">
+                                          <p:stCondLst>
+                                            <p:cond delay="0"/>
+                                          </p:stCondLst>
+                                        </p:cTn>
+                                        <p:tgtEl>
+                                          <p:spTgt spid="3">
+                                            <p:txEl>
+                                              <p:pRg st="4" end="4"/>
+                                            </p:txEl>
+                                          </p:spTgt>
+                                        </p:tgtEl>
+                                        <p:attrNameLst>
+                                          <p:attrName>style.visibility</p:attrName>
+                                        </p:attrNameLst>
+                                      </p:cBhvr>
+                                      <p:to>
+                                        <p:strVal val="visible"/>
+                                      </p:to>
+                                    </p:set>
+                                  </p:childTnLst>
+                                </p:cTn>
+                              </p:par>
+                            </p:childTnLst>
+                          </p:cTn>
+                        </p:par>
+                      </p:childTnLst>
+                    </p:cTn>
+                  </p:par>
+                </p:childTnLst>
+              </p:cTn>
+              <p:prevCondLst>
+                <p:cond evt="onPrev" delay="0">
+                  <p:tgtEl>
+                    <p:sldTgt/>
+                  </p:tgtEl>
+                </p:cond>
+              </p:prevCondLst>
+              <p:nextCondLst>
+                <p:cond evt="onNext" delay="0">
+                  <p:tgtEl>
+                    <p:sldTgt/>
+                  </p:tgtEl>
+                </p:cond>
+              </p:nextCondLst>
+            </p:seq>
+          </p:childTnLst>
+        </p:cTn>
+      </p:par>
+    </p:tnLst>
+    <p:bldLst>
+      <p:bldP spid="3" grpId="0" build="p"/>
+    </p:bldLst>
+  </p:timing>
+</p:sld>
+</file>
+
+<file path=ppt/slides/slide13.xml><?xml version="1.0" encoding="utf-8"?>
+<p:sld xmlns:a="http://schemas.openxmlformats.org/drawingml/2006/main" xmlns:r="http://schemas.openxmlformats.org/officeDocument/2006/relationships" xmlns:p="http://schemas.openxmlformats.org/presentationml/2006/main">
+  <p:cSld>
+    <p:spTree>
+      <p:nvGrpSpPr>
+        <p:cNvPr id="1" name=""/>
+        <p:cNvGrpSpPr/>
+        <p:nvPr/>
+      </p:nvGrpSpPr>
+      <p:grpSpPr>
+        <a:xfrm>
+          <a:off x="0" y="0"/>
+          <a:ext cx="0" cy="0"/>
+          <a:chOff x="0" y="0"/>
+          <a:chExt cx="0" cy="0"/>
+        </a:xfrm>
+      </p:grpSpPr>
+      <p:sp>
+        <p:nvSpPr>
+          <p:cNvPr id="2" name="Title 1">
+            <a:extLst>
+              <a:ext uri="{FF2B5EF4-FFF2-40B4-BE49-F238E27FC236}">
+                <a16:creationId xmlns:a16="http://schemas.microsoft.com/office/drawing/2014/main" id="{20DEDAD4-E779-438B-94D1-F67537D61D8C}"/>
+              </a:ext>
+            </a:extLst>
+          </p:cNvPr>
+          <p:cNvSpPr>
+            <a:spLocks noGrp="1"/>
+          </p:cNvSpPr>
+          <p:nvPr>
+            <p:ph type="title"/>
+          </p:nvPr>
+        </p:nvSpPr>
+        <p:spPr/>
+        <p:txBody>
+          <a:bodyPr/>
+          <a:lstStyle/>
+          <a:p>
+            <a:endParaRPr lang="en-US"/>
+          </a:p>
+        </p:txBody>
+      </p:sp>
+      <p:pic>
+        <p:nvPicPr>
+          <p:cNvPr id="6" name="Content Placeholder 5" descr="A picture containing writing implement, stationary, pen&#10;&#10;Description automatically generated">
+            <a:extLst>
+              <a:ext uri="{FF2B5EF4-FFF2-40B4-BE49-F238E27FC236}">
+                <a16:creationId xmlns:a16="http://schemas.microsoft.com/office/drawing/2014/main" id="{75130E61-5EF6-4BD0-9301-8D22784F883F}"/>
+              </a:ext>
+            </a:extLst>
+          </p:cNvPr>
+          <p:cNvPicPr>
+            <a:picLocks noGrp="1" noChangeAspect="1"/>
+          </p:cNvPicPr>
+          <p:nvPr>
+            <p:ph idx="1"/>
+          </p:nvPr>
+        </p:nvPicPr>
+        <p:blipFill>
+          <a:blip r:embed="rId2">
+            <a:extLst>
+              <a:ext uri="{28A0092B-C50C-407E-A947-70E740481C1C}">
+                <a14:useLocalDpi xmlns:a14="http://schemas.microsoft.com/office/drawing/2010/main" val="0"/>
+              </a:ext>
+            </a:extLst>
+          </a:blip>
+          <a:stretch>
+            <a:fillRect/>
+          </a:stretch>
+        </p:blipFill>
+        <p:spPr>
+          <a:xfrm>
+            <a:off x="2662165" y="703623"/>
+            <a:ext cx="6867669" cy="5144123"/>
+          </a:xfrm>
+        </p:spPr>
+      </p:pic>
+      <p:sp>
+        <p:nvSpPr>
+          <p:cNvPr id="4" name="Footer Placeholder 3">
+            <a:extLst>
+              <a:ext uri="{FF2B5EF4-FFF2-40B4-BE49-F238E27FC236}">
+                <a16:creationId xmlns:a16="http://schemas.microsoft.com/office/drawing/2014/main" id="{FF2D87C0-EDAC-47F6-BF56-52C530C229CE}"/>
+              </a:ext>
+            </a:extLst>
+          </p:cNvPr>
+          <p:cNvSpPr>
+            <a:spLocks noGrp="1"/>
+          </p:cNvSpPr>
+          <p:nvPr>
+            <p:ph type="ftr" sz="quarter" idx="11"/>
+          </p:nvPr>
+        </p:nvSpPr>
+        <p:spPr/>
+        <p:txBody>
+          <a:bodyPr/>
+          <a:lstStyle/>
+          <a:p>
+            <a:endParaRPr lang="en-US"/>
+          </a:p>
+        </p:txBody>
+      </p:sp>
+    </p:spTree>
+    <p:extLst>
+      <p:ext uri="{BB962C8B-B14F-4D97-AF65-F5344CB8AC3E}">
+        <p14:creationId xmlns:p14="http://schemas.microsoft.com/office/powerpoint/2010/main" val="3801809974"/>
       </p:ext>
     </p:extLst>
   </p:cSld>
@@ -4141,6 +4868,12 @@
               <a:t>Is it relevant to Bessemer?</a:t>
             </a:r>
           </a:p>
+          <a:p>
+            <a:r>
+              <a:rPr lang="en-US" dirty="0"/>
+              <a:t>Summary</a:t>
+            </a:r>
+          </a:p>
         </p:txBody>
       </p:sp>
       <p:sp>
@@ -4178,6 +4911,382 @@
   <p:clrMapOvr>
     <a:masterClrMapping/>
   </p:clrMapOvr>
+  <p:timing>
+    <p:tnLst>
+      <p:par>
+        <p:cTn id="1" dur="indefinite" restart="never" nodeType="tmRoot">
+          <p:childTnLst>
+            <p:seq concurrent="1" nextAc="seek">
+              <p:cTn id="2" dur="indefinite" nodeType="mainSeq">
+                <p:childTnLst>
+                  <p:par>
+                    <p:cTn id="3" fill="hold">
+                      <p:stCondLst>
+                        <p:cond delay="indefinite"/>
+                      </p:stCondLst>
+                      <p:childTnLst>
+                        <p:par>
+                          <p:cTn id="4" fill="hold">
+                            <p:stCondLst>
+                              <p:cond delay="0"/>
+                            </p:stCondLst>
+                            <p:childTnLst>
+                              <p:par>
+                                <p:cTn id="5" presetID="1" presetClass="entr" presetSubtype="0" fill="hold" grpId="0" nodeType="clickEffect">
+                                  <p:stCondLst>
+                                    <p:cond delay="0"/>
+                                  </p:stCondLst>
+                                  <p:childTnLst>
+                                    <p:set>
+                                      <p:cBhvr>
+                                        <p:cTn id="6" dur="1" fill="hold">
+                                          <p:stCondLst>
+                                            <p:cond delay="0"/>
+                                          </p:stCondLst>
+                                        </p:cTn>
+                                        <p:tgtEl>
+                                          <p:spTgt spid="3">
+                                            <p:txEl>
+                                              <p:pRg st="0" end="0"/>
+                                            </p:txEl>
+                                          </p:spTgt>
+                                        </p:tgtEl>
+                                        <p:attrNameLst>
+                                          <p:attrName>style.visibility</p:attrName>
+                                        </p:attrNameLst>
+                                      </p:cBhvr>
+                                      <p:to>
+                                        <p:strVal val="visible"/>
+                                      </p:to>
+                                    </p:set>
+                                  </p:childTnLst>
+                                </p:cTn>
+                              </p:par>
+                            </p:childTnLst>
+                          </p:cTn>
+                        </p:par>
+                      </p:childTnLst>
+                    </p:cTn>
+                  </p:par>
+                  <p:par>
+                    <p:cTn id="7" fill="hold">
+                      <p:stCondLst>
+                        <p:cond delay="indefinite"/>
+                      </p:stCondLst>
+                      <p:childTnLst>
+                        <p:par>
+                          <p:cTn id="8" fill="hold">
+                            <p:stCondLst>
+                              <p:cond delay="0"/>
+                            </p:stCondLst>
+                            <p:childTnLst>
+                              <p:par>
+                                <p:cTn id="9" presetID="1" presetClass="entr" presetSubtype="0" fill="hold" grpId="0" nodeType="clickEffect">
+                                  <p:stCondLst>
+                                    <p:cond delay="0"/>
+                                  </p:stCondLst>
+                                  <p:childTnLst>
+                                    <p:set>
+                                      <p:cBhvr>
+                                        <p:cTn id="10" dur="1" fill="hold">
+                                          <p:stCondLst>
+                                            <p:cond delay="0"/>
+                                          </p:stCondLst>
+                                        </p:cTn>
+                                        <p:tgtEl>
+                                          <p:spTgt spid="3">
+                                            <p:txEl>
+                                              <p:pRg st="1" end="1"/>
+                                            </p:txEl>
+                                          </p:spTgt>
+                                        </p:tgtEl>
+                                        <p:attrNameLst>
+                                          <p:attrName>style.visibility</p:attrName>
+                                        </p:attrNameLst>
+                                      </p:cBhvr>
+                                      <p:to>
+                                        <p:strVal val="visible"/>
+                                      </p:to>
+                                    </p:set>
+                                  </p:childTnLst>
+                                </p:cTn>
+                              </p:par>
+                            </p:childTnLst>
+                          </p:cTn>
+                        </p:par>
+                      </p:childTnLst>
+                    </p:cTn>
+                  </p:par>
+                  <p:par>
+                    <p:cTn id="11" fill="hold">
+                      <p:stCondLst>
+                        <p:cond delay="indefinite"/>
+                      </p:stCondLst>
+                      <p:childTnLst>
+                        <p:par>
+                          <p:cTn id="12" fill="hold">
+                            <p:stCondLst>
+                              <p:cond delay="0"/>
+                            </p:stCondLst>
+                            <p:childTnLst>
+                              <p:par>
+                                <p:cTn id="13" presetID="1" presetClass="entr" presetSubtype="0" fill="hold" grpId="0" nodeType="clickEffect">
+                                  <p:stCondLst>
+                                    <p:cond delay="0"/>
+                                  </p:stCondLst>
+                                  <p:childTnLst>
+                                    <p:set>
+                                      <p:cBhvr>
+                                        <p:cTn id="14" dur="1" fill="hold">
+                                          <p:stCondLst>
+                                            <p:cond delay="0"/>
+                                          </p:stCondLst>
+                                        </p:cTn>
+                                        <p:tgtEl>
+                                          <p:spTgt spid="3">
+                                            <p:txEl>
+                                              <p:pRg st="2" end="2"/>
+                                            </p:txEl>
+                                          </p:spTgt>
+                                        </p:tgtEl>
+                                        <p:attrNameLst>
+                                          <p:attrName>style.visibility</p:attrName>
+                                        </p:attrNameLst>
+                                      </p:cBhvr>
+                                      <p:to>
+                                        <p:strVal val="visible"/>
+                                      </p:to>
+                                    </p:set>
+                                  </p:childTnLst>
+                                </p:cTn>
+                              </p:par>
+                            </p:childTnLst>
+                          </p:cTn>
+                        </p:par>
+                      </p:childTnLst>
+                    </p:cTn>
+                  </p:par>
+                  <p:par>
+                    <p:cTn id="15" fill="hold">
+                      <p:stCondLst>
+                        <p:cond delay="indefinite"/>
+                      </p:stCondLst>
+                      <p:childTnLst>
+                        <p:par>
+                          <p:cTn id="16" fill="hold">
+                            <p:stCondLst>
+                              <p:cond delay="0"/>
+                            </p:stCondLst>
+                            <p:childTnLst>
+                              <p:par>
+                                <p:cTn id="17" presetID="1" presetClass="entr" presetSubtype="0" fill="hold" grpId="0" nodeType="clickEffect">
+                                  <p:stCondLst>
+                                    <p:cond delay="0"/>
+                                  </p:stCondLst>
+                                  <p:childTnLst>
+                                    <p:set>
+                                      <p:cBhvr>
+                                        <p:cTn id="18" dur="1" fill="hold">
+                                          <p:stCondLst>
+                                            <p:cond delay="0"/>
+                                          </p:stCondLst>
+                                        </p:cTn>
+                                        <p:tgtEl>
+                                          <p:spTgt spid="3">
+                                            <p:txEl>
+                                              <p:pRg st="3" end="3"/>
+                                            </p:txEl>
+                                          </p:spTgt>
+                                        </p:tgtEl>
+                                        <p:attrNameLst>
+                                          <p:attrName>style.visibility</p:attrName>
+                                        </p:attrNameLst>
+                                      </p:cBhvr>
+                                      <p:to>
+                                        <p:strVal val="visible"/>
+                                      </p:to>
+                                    </p:set>
+                                  </p:childTnLst>
+                                </p:cTn>
+                              </p:par>
+                            </p:childTnLst>
+                          </p:cTn>
+                        </p:par>
+                      </p:childTnLst>
+                    </p:cTn>
+                  </p:par>
+                  <p:par>
+                    <p:cTn id="19" fill="hold">
+                      <p:stCondLst>
+                        <p:cond delay="indefinite"/>
+                      </p:stCondLst>
+                      <p:childTnLst>
+                        <p:par>
+                          <p:cTn id="20" fill="hold">
+                            <p:stCondLst>
+                              <p:cond delay="0"/>
+                            </p:stCondLst>
+                            <p:childTnLst>
+                              <p:par>
+                                <p:cTn id="21" presetID="1" presetClass="entr" presetSubtype="0" fill="hold" grpId="0" nodeType="clickEffect">
+                                  <p:stCondLst>
+                                    <p:cond delay="0"/>
+                                  </p:stCondLst>
+                                  <p:childTnLst>
+                                    <p:set>
+                                      <p:cBhvr>
+                                        <p:cTn id="22" dur="1" fill="hold">
+                                          <p:stCondLst>
+                                            <p:cond delay="0"/>
+                                          </p:stCondLst>
+                                        </p:cTn>
+                                        <p:tgtEl>
+                                          <p:spTgt spid="3">
+                                            <p:txEl>
+                                              <p:pRg st="4" end="4"/>
+                                            </p:txEl>
+                                          </p:spTgt>
+                                        </p:tgtEl>
+                                        <p:attrNameLst>
+                                          <p:attrName>style.visibility</p:attrName>
+                                        </p:attrNameLst>
+                                      </p:cBhvr>
+                                      <p:to>
+                                        <p:strVal val="visible"/>
+                                      </p:to>
+                                    </p:set>
+                                  </p:childTnLst>
+                                </p:cTn>
+                              </p:par>
+                            </p:childTnLst>
+                          </p:cTn>
+                        </p:par>
+                      </p:childTnLst>
+                    </p:cTn>
+                  </p:par>
+                  <p:par>
+                    <p:cTn id="23" fill="hold">
+                      <p:stCondLst>
+                        <p:cond delay="indefinite"/>
+                      </p:stCondLst>
+                      <p:childTnLst>
+                        <p:par>
+                          <p:cTn id="24" fill="hold">
+                            <p:stCondLst>
+                              <p:cond delay="0"/>
+                            </p:stCondLst>
+                            <p:childTnLst>
+                              <p:par>
+                                <p:cTn id="25" presetID="1" presetClass="entr" presetSubtype="0" fill="hold" grpId="0" nodeType="clickEffect">
+                                  <p:stCondLst>
+                                    <p:cond delay="0"/>
+                                  </p:stCondLst>
+                                  <p:childTnLst>
+                                    <p:set>
+                                      <p:cBhvr>
+                                        <p:cTn id="26" dur="1" fill="hold">
+                                          <p:stCondLst>
+                                            <p:cond delay="0"/>
+                                          </p:stCondLst>
+                                        </p:cTn>
+                                        <p:tgtEl>
+                                          <p:spTgt spid="3">
+                                            <p:txEl>
+                                              <p:pRg st="5" end="5"/>
+                                            </p:txEl>
+                                          </p:spTgt>
+                                        </p:tgtEl>
+                                        <p:attrNameLst>
+                                          <p:attrName>style.visibility</p:attrName>
+                                        </p:attrNameLst>
+                                      </p:cBhvr>
+                                      <p:to>
+                                        <p:strVal val="visible"/>
+                                      </p:to>
+                                    </p:set>
+                                  </p:childTnLst>
+                                </p:cTn>
+                              </p:par>
+                            </p:childTnLst>
+                          </p:cTn>
+                        </p:par>
+                      </p:childTnLst>
+                    </p:cTn>
+                  </p:par>
+                  <p:par>
+                    <p:cTn id="27" fill="hold">
+                      <p:stCondLst>
+                        <p:cond delay="indefinite"/>
+                      </p:stCondLst>
+                      <p:childTnLst>
+                        <p:par>
+                          <p:cTn id="28" fill="hold">
+                            <p:stCondLst>
+                              <p:cond delay="0"/>
+                            </p:stCondLst>
+                            <p:childTnLst>
+                              <p:par>
+                                <p:cTn id="29" presetID="1" presetClass="entr" presetSubtype="0" fill="hold" grpId="0" nodeType="clickEffect">
+                                  <p:stCondLst>
+                                    <p:cond delay="0"/>
+                                  </p:stCondLst>
+                                  <p:childTnLst>
+                                    <p:set>
+                                      <p:cBhvr>
+                                        <p:cTn id="30" dur="1" fill="hold">
+                                          <p:stCondLst>
+                                            <p:cond delay="0"/>
+                                          </p:stCondLst>
+                                        </p:cTn>
+                                        <p:tgtEl>
+                                          <p:spTgt spid="3">
+                                            <p:txEl>
+                                              <p:pRg st="6" end="6"/>
+                                            </p:txEl>
+                                          </p:spTgt>
+                                        </p:tgtEl>
+                                        <p:attrNameLst>
+                                          <p:attrName>style.visibility</p:attrName>
+                                        </p:attrNameLst>
+                                      </p:cBhvr>
+                                      <p:to>
+                                        <p:strVal val="visible"/>
+                                      </p:to>
+                                    </p:set>
+                                  </p:childTnLst>
+                                </p:cTn>
+                              </p:par>
+                            </p:childTnLst>
+                          </p:cTn>
+                        </p:par>
+                      </p:childTnLst>
+                    </p:cTn>
+                  </p:par>
+                </p:childTnLst>
+              </p:cTn>
+              <p:prevCondLst>
+                <p:cond evt="onPrev" delay="0">
+                  <p:tgtEl>
+                    <p:sldTgt/>
+                  </p:tgtEl>
+                </p:cond>
+              </p:prevCondLst>
+              <p:nextCondLst>
+                <p:cond evt="onNext" delay="0">
+                  <p:tgtEl>
+                    <p:sldTgt/>
+                  </p:tgtEl>
+                </p:cond>
+              </p:nextCondLst>
+            </p:seq>
+          </p:childTnLst>
+        </p:cTn>
+      </p:par>
+    </p:tnLst>
+    <p:bldLst>
+      <p:bldP spid="3" grpId="0" build="p"/>
+    </p:bldLst>
+  </p:timing>
 </p:sld>
 </file>
 
